--- a/docs/languages/haskell/haskell1990.pptx
+++ b/docs/languages/haskell/haskell1990.pptx
@@ -7,23 +7,23 @@
   <p:sldIdLst>
     <p:sldId id="278" r:id="rId2"/>
     <p:sldId id="273" r:id="rId3"/>
-    <p:sldId id="274" r:id="rId4"/>
-    <p:sldId id="282" r:id="rId5"/>
-    <p:sldId id="275" r:id="rId6"/>
-    <p:sldId id="281" r:id="rId7"/>
-    <p:sldId id="277" r:id="rId8"/>
-    <p:sldId id="276" r:id="rId9"/>
-    <p:sldId id="272" r:id="rId10"/>
-    <p:sldId id="283" r:id="rId11"/>
-    <p:sldId id="284" r:id="rId12"/>
-    <p:sldId id="265" r:id="rId13"/>
-    <p:sldId id="259" r:id="rId14"/>
-    <p:sldId id="267" r:id="rId15"/>
-    <p:sldId id="270" r:id="rId16"/>
-    <p:sldId id="260" r:id="rId17"/>
-    <p:sldId id="261" r:id="rId18"/>
-    <p:sldId id="264" r:id="rId19"/>
-    <p:sldId id="280" r:id="rId20"/>
+    <p:sldId id="285" r:id="rId4"/>
+    <p:sldId id="274" r:id="rId5"/>
+    <p:sldId id="282" r:id="rId6"/>
+    <p:sldId id="275" r:id="rId7"/>
+    <p:sldId id="281" r:id="rId8"/>
+    <p:sldId id="277" r:id="rId9"/>
+    <p:sldId id="276" r:id="rId10"/>
+    <p:sldId id="286" r:id="rId11"/>
+    <p:sldId id="283" r:id="rId12"/>
+    <p:sldId id="284" r:id="rId13"/>
+    <p:sldId id="265" r:id="rId14"/>
+    <p:sldId id="259" r:id="rId15"/>
+    <p:sldId id="267" r:id="rId16"/>
+    <p:sldId id="270" r:id="rId17"/>
+    <p:sldId id="260" r:id="rId18"/>
+    <p:sldId id="261" r:id="rId19"/>
+    <p:sldId id="264" r:id="rId20"/>
     <p:sldId id="271" r:id="rId21"/>
   </p:sldIdLst>
   <p:sldSz cx="12192000" cy="6858000"/>
@@ -134,7 +134,7 @@
 <file path=ppt/revisionInfo.xml><?xml version="1.0" encoding="utf-8"?>
 <p1510:revInfo xmlns:a="http://schemas.openxmlformats.org/drawingml/2006/main" xmlns:r="http://schemas.openxmlformats.org/officeDocument/2006/relationships" xmlns:p1510="http://schemas.microsoft.com/office/powerpoint/2015/10/main">
   <p1510:revLst>
-    <p1510:client id="{1A05A053-E8BF-4EE7-8EE7-A31DFB869775}" v="190" dt="2022-06-25T06:13:21.305"/>
+    <p1510:client id="{BD67D78A-A703-45A8-BB98-2DD5C4E9A403}" v="26" dt="2022-06-28T07:12:57.208"/>
   </p1510:revLst>
 </p1510:revInfo>
 </file>
@@ -1124,6 +1124,296 @@
             <ac:picMk id="1030" creationId="{20F8BF9D-4CAF-A044-6B8E-D7FC81AD77EF}"/>
           </ac:picMkLst>
         </pc:picChg>
+      </pc:sldChg>
+    </pc:docChg>
+  </pc:docChgLst>
+  <pc:docChgLst>
+    <pc:chgData name="Toby Donaldson" userId="2e6e5431-bb17-4c41-9985-d39c50d83c73" providerId="ADAL" clId="{BD67D78A-A703-45A8-BB98-2DD5C4E9A403}"/>
+    <pc:docChg chg="undo redo custSel addSld delSld modSld sldOrd">
+      <pc:chgData name="Toby Donaldson" userId="2e6e5431-bb17-4c41-9985-d39c50d83c73" providerId="ADAL" clId="{BD67D78A-A703-45A8-BB98-2DD5C4E9A403}" dt="2022-06-28T19:22:20.505" v="351" actId="20577"/>
+      <pc:docMkLst>
+        <pc:docMk/>
+      </pc:docMkLst>
+      <pc:sldChg chg="modSp mod">
+        <pc:chgData name="Toby Donaldson" userId="2e6e5431-bb17-4c41-9985-d39c50d83c73" providerId="ADAL" clId="{BD67D78A-A703-45A8-BB98-2DD5C4E9A403}" dt="2022-06-28T07:14:06.720" v="113" actId="1076"/>
+        <pc:sldMkLst>
+          <pc:docMk/>
+          <pc:sldMk cId="1855501012" sldId="259"/>
+        </pc:sldMkLst>
+        <pc:spChg chg="mod">
+          <ac:chgData name="Toby Donaldson" userId="2e6e5431-bb17-4c41-9985-d39c50d83c73" providerId="ADAL" clId="{BD67D78A-A703-45A8-BB98-2DD5C4E9A403}" dt="2022-06-28T07:14:06.720" v="113" actId="1076"/>
+          <ac:spMkLst>
+            <pc:docMk/>
+            <pc:sldMk cId="1855501012" sldId="259"/>
+            <ac:spMk id="3" creationId="{10C4AE68-A781-FD56-1D00-6B3AE095A7EF}"/>
+          </ac:spMkLst>
+        </pc:spChg>
+        <pc:spChg chg="mod">
+          <ac:chgData name="Toby Donaldson" userId="2e6e5431-bb17-4c41-9985-d39c50d83c73" providerId="ADAL" clId="{BD67D78A-A703-45A8-BB98-2DD5C4E9A403}" dt="2022-06-28T07:14:06.720" v="113" actId="1076"/>
+          <ac:spMkLst>
+            <pc:docMk/>
+            <pc:sldMk cId="1855501012" sldId="259"/>
+            <ac:spMk id="9" creationId="{47FE2D5E-13CF-4FA0-04A0-66A64587C63B}"/>
+          </ac:spMkLst>
+        </pc:spChg>
+      </pc:sldChg>
+      <pc:sldChg chg="modSp mod">
+        <pc:chgData name="Toby Donaldson" userId="2e6e5431-bb17-4c41-9985-d39c50d83c73" providerId="ADAL" clId="{BD67D78A-A703-45A8-BB98-2DD5C4E9A403}" dt="2022-06-28T07:19:40.460" v="190" actId="20577"/>
+        <pc:sldMkLst>
+          <pc:docMk/>
+          <pc:sldMk cId="2414411496" sldId="260"/>
+        </pc:sldMkLst>
+        <pc:spChg chg="mod">
+          <ac:chgData name="Toby Donaldson" userId="2e6e5431-bb17-4c41-9985-d39c50d83c73" providerId="ADAL" clId="{BD67D78A-A703-45A8-BB98-2DD5C4E9A403}" dt="2022-06-28T07:19:40.460" v="190" actId="20577"/>
+          <ac:spMkLst>
+            <pc:docMk/>
+            <pc:sldMk cId="2414411496" sldId="260"/>
+            <ac:spMk id="3" creationId="{E45AFAE3-7D9D-4DB0-A01B-CD046F1E7D5F}"/>
+          </ac:spMkLst>
+        </pc:spChg>
+      </pc:sldChg>
+      <pc:sldChg chg="modSp mod">
+        <pc:chgData name="Toby Donaldson" userId="2e6e5431-bb17-4c41-9985-d39c50d83c73" providerId="ADAL" clId="{BD67D78A-A703-45A8-BB98-2DD5C4E9A403}" dt="2022-06-28T07:20:46.573" v="242" actId="113"/>
+        <pc:sldMkLst>
+          <pc:docMk/>
+          <pc:sldMk cId="247949623" sldId="261"/>
+        </pc:sldMkLst>
+        <pc:spChg chg="mod">
+          <ac:chgData name="Toby Donaldson" userId="2e6e5431-bb17-4c41-9985-d39c50d83c73" providerId="ADAL" clId="{BD67D78A-A703-45A8-BB98-2DD5C4E9A403}" dt="2022-06-28T07:20:46.573" v="242" actId="113"/>
+          <ac:spMkLst>
+            <pc:docMk/>
+            <pc:sldMk cId="247949623" sldId="261"/>
+            <ac:spMk id="3" creationId="{E45AFAE3-7D9D-4DB0-A01B-CD046F1E7D5F}"/>
+          </ac:spMkLst>
+        </pc:spChg>
+      </pc:sldChg>
+      <pc:sldChg chg="modSp mod">
+        <pc:chgData name="Toby Donaldson" userId="2e6e5431-bb17-4c41-9985-d39c50d83c73" providerId="ADAL" clId="{BD67D78A-A703-45A8-BB98-2DD5C4E9A403}" dt="2022-06-28T19:22:20.505" v="351" actId="20577"/>
+        <pc:sldMkLst>
+          <pc:docMk/>
+          <pc:sldMk cId="1760816993" sldId="264"/>
+        </pc:sldMkLst>
+        <pc:spChg chg="mod">
+          <ac:chgData name="Toby Donaldson" userId="2e6e5431-bb17-4c41-9985-d39c50d83c73" providerId="ADAL" clId="{BD67D78A-A703-45A8-BB98-2DD5C4E9A403}" dt="2022-06-28T07:21:06.513" v="249" actId="20577"/>
+          <ac:spMkLst>
+            <pc:docMk/>
+            <pc:sldMk cId="1760816993" sldId="264"/>
+            <ac:spMk id="2" creationId="{E453DFDB-8487-48AA-A582-0CEA13856DA2}"/>
+          </ac:spMkLst>
+        </pc:spChg>
+        <pc:spChg chg="mod">
+          <ac:chgData name="Toby Donaldson" userId="2e6e5431-bb17-4c41-9985-d39c50d83c73" providerId="ADAL" clId="{BD67D78A-A703-45A8-BB98-2DD5C4E9A403}" dt="2022-06-28T19:22:20.505" v="351" actId="20577"/>
+          <ac:spMkLst>
+            <pc:docMk/>
+            <pc:sldMk cId="1760816993" sldId="264"/>
+            <ac:spMk id="3" creationId="{E45AFAE3-7D9D-4DB0-A01B-CD046F1E7D5F}"/>
+          </ac:spMkLst>
+        </pc:spChg>
+      </pc:sldChg>
+      <pc:sldChg chg="modSp mod">
+        <pc:chgData name="Toby Donaldson" userId="2e6e5431-bb17-4c41-9985-d39c50d83c73" providerId="ADAL" clId="{BD67D78A-A703-45A8-BB98-2DD5C4E9A403}" dt="2022-06-28T07:17:11.804" v="177" actId="20577"/>
+        <pc:sldMkLst>
+          <pc:docMk/>
+          <pc:sldMk cId="2072605454" sldId="270"/>
+        </pc:sldMkLst>
+        <pc:spChg chg="mod">
+          <ac:chgData name="Toby Donaldson" userId="2e6e5431-bb17-4c41-9985-d39c50d83c73" providerId="ADAL" clId="{BD67D78A-A703-45A8-BB98-2DD5C4E9A403}" dt="2022-06-28T07:17:11.804" v="177" actId="20577"/>
+          <ac:spMkLst>
+            <pc:docMk/>
+            <pc:sldMk cId="2072605454" sldId="270"/>
+            <ac:spMk id="3" creationId="{9D85EADE-0C03-49DA-BB59-0942833F47FA}"/>
+          </ac:spMkLst>
+        </pc:spChg>
+      </pc:sldChg>
+      <pc:sldChg chg="modSp mod">
+        <pc:chgData name="Toby Donaldson" userId="2e6e5431-bb17-4c41-9985-d39c50d83c73" providerId="ADAL" clId="{BD67D78A-A703-45A8-BB98-2DD5C4E9A403}" dt="2022-06-28T07:22:23.751" v="347" actId="113"/>
+        <pc:sldMkLst>
+          <pc:docMk/>
+          <pc:sldMk cId="230914827" sldId="271"/>
+        </pc:sldMkLst>
+        <pc:spChg chg="mod">
+          <ac:chgData name="Toby Donaldson" userId="2e6e5431-bb17-4c41-9985-d39c50d83c73" providerId="ADAL" clId="{BD67D78A-A703-45A8-BB98-2DD5C4E9A403}" dt="2022-06-28T07:22:23.751" v="347" actId="113"/>
+          <ac:spMkLst>
+            <pc:docMk/>
+            <pc:sldMk cId="230914827" sldId="271"/>
+            <ac:spMk id="4" creationId="{1AB9C04D-6CD3-48A5-BEAC-80EB44E5AF49}"/>
+          </ac:spMkLst>
+        </pc:spChg>
+      </pc:sldChg>
+      <pc:sldChg chg="del">
+        <pc:chgData name="Toby Donaldson" userId="2e6e5431-bb17-4c41-9985-d39c50d83c73" providerId="ADAL" clId="{BD67D78A-A703-45A8-BB98-2DD5C4E9A403}" dt="2022-06-28T19:20:51.174" v="348" actId="2696"/>
+        <pc:sldMkLst>
+          <pc:docMk/>
+          <pc:sldMk cId="1031835898" sldId="272"/>
+        </pc:sldMkLst>
+      </pc:sldChg>
+      <pc:sldChg chg="delSp modSp mod">
+        <pc:chgData name="Toby Donaldson" userId="2e6e5431-bb17-4c41-9985-d39c50d83c73" providerId="ADAL" clId="{BD67D78A-A703-45A8-BB98-2DD5C4E9A403}" dt="2022-06-28T07:05:51.666" v="30" actId="1076"/>
+        <pc:sldMkLst>
+          <pc:docMk/>
+          <pc:sldMk cId="962438491" sldId="274"/>
+        </pc:sldMkLst>
+        <pc:spChg chg="mod">
+          <ac:chgData name="Toby Donaldson" userId="2e6e5431-bb17-4c41-9985-d39c50d83c73" providerId="ADAL" clId="{BD67D78A-A703-45A8-BB98-2DD5C4E9A403}" dt="2022-06-28T07:05:51.666" v="30" actId="1076"/>
+          <ac:spMkLst>
+            <pc:docMk/>
+            <pc:sldMk cId="962438491" sldId="274"/>
+            <ac:spMk id="12" creationId="{FECFF8B1-9D5A-0626-DF1B-81023BD78BC3}"/>
+          </ac:spMkLst>
+        </pc:spChg>
+        <pc:spChg chg="del">
+          <ac:chgData name="Toby Donaldson" userId="2e6e5431-bb17-4c41-9985-d39c50d83c73" providerId="ADAL" clId="{BD67D78A-A703-45A8-BB98-2DD5C4E9A403}" dt="2022-06-28T07:05:24.730" v="24" actId="21"/>
+          <ac:spMkLst>
+            <pc:docMk/>
+            <pc:sldMk cId="962438491" sldId="274"/>
+            <ac:spMk id="19" creationId="{23530188-1C40-2C32-5B87-5534EF6CEC9A}"/>
+          </ac:spMkLst>
+        </pc:spChg>
+        <pc:picChg chg="del">
+          <ac:chgData name="Toby Donaldson" userId="2e6e5431-bb17-4c41-9985-d39c50d83c73" providerId="ADAL" clId="{BD67D78A-A703-45A8-BB98-2DD5C4E9A403}" dt="2022-06-28T07:05:17.984" v="23" actId="21"/>
+          <ac:picMkLst>
+            <pc:docMk/>
+            <pc:sldMk cId="962438491" sldId="274"/>
+            <ac:picMk id="2050" creationId="{D679BD0D-1935-CDE7-84A8-00E0CE3BD90B}"/>
+          </ac:picMkLst>
+        </pc:picChg>
+        <pc:picChg chg="mod">
+          <ac:chgData name="Toby Donaldson" userId="2e6e5431-bb17-4c41-9985-d39c50d83c73" providerId="ADAL" clId="{BD67D78A-A703-45A8-BB98-2DD5C4E9A403}" dt="2022-06-28T07:05:41.200" v="28" actId="14100"/>
+          <ac:picMkLst>
+            <pc:docMk/>
+            <pc:sldMk cId="962438491" sldId="274"/>
+            <ac:picMk id="2052" creationId="{19B9F74D-EF65-B836-CB90-79C210C70E28}"/>
+          </ac:picMkLst>
+        </pc:picChg>
+      </pc:sldChg>
+      <pc:sldChg chg="modAnim">
+        <pc:chgData name="Toby Donaldson" userId="2e6e5431-bb17-4c41-9985-d39c50d83c73" providerId="ADAL" clId="{BD67D78A-A703-45A8-BB98-2DD5C4E9A403}" dt="2022-06-28T07:07:32.311" v="35"/>
+        <pc:sldMkLst>
+          <pc:docMk/>
+          <pc:sldMk cId="4198230947" sldId="277"/>
+        </pc:sldMkLst>
+      </pc:sldChg>
+      <pc:sldChg chg="modSp mod">
+        <pc:chgData name="Toby Donaldson" userId="2e6e5431-bb17-4c41-9985-d39c50d83c73" providerId="ADAL" clId="{BD67D78A-A703-45A8-BB98-2DD5C4E9A403}" dt="2022-06-28T07:03:55.397" v="7" actId="1076"/>
+        <pc:sldMkLst>
+          <pc:docMk/>
+          <pc:sldMk cId="598291729" sldId="278"/>
+        </pc:sldMkLst>
+        <pc:spChg chg="mod">
+          <ac:chgData name="Toby Donaldson" userId="2e6e5431-bb17-4c41-9985-d39c50d83c73" providerId="ADAL" clId="{BD67D78A-A703-45A8-BB98-2DD5C4E9A403}" dt="2022-06-28T07:03:55.397" v="7" actId="1076"/>
+          <ac:spMkLst>
+            <pc:docMk/>
+            <pc:sldMk cId="598291729" sldId="278"/>
+            <ac:spMk id="3" creationId="{8D326F70-6E73-48ED-853E-D802A1F7CD4A}"/>
+          </ac:spMkLst>
+        </pc:spChg>
+        <pc:spChg chg="mod">
+          <ac:chgData name="Toby Donaldson" userId="2e6e5431-bb17-4c41-9985-d39c50d83c73" providerId="ADAL" clId="{BD67D78A-A703-45A8-BB98-2DD5C4E9A403}" dt="2022-06-28T07:03:51.828" v="6" actId="1076"/>
+          <ac:spMkLst>
+            <pc:docMk/>
+            <pc:sldMk cId="598291729" sldId="278"/>
+            <ac:spMk id="7" creationId="{729F9EAB-E96A-4A13-B339-346BBE62D038}"/>
+          </ac:spMkLst>
+        </pc:spChg>
+        <pc:spChg chg="mod">
+          <ac:chgData name="Toby Donaldson" userId="2e6e5431-bb17-4c41-9985-d39c50d83c73" providerId="ADAL" clId="{BD67D78A-A703-45A8-BB98-2DD5C4E9A403}" dt="2022-06-28T07:03:48.960" v="5" actId="1076"/>
+          <ac:spMkLst>
+            <pc:docMk/>
+            <pc:sldMk cId="598291729" sldId="278"/>
+            <ac:spMk id="8" creationId="{4B2E5120-9846-4325-A51B-589BC6A79787}"/>
+          </ac:spMkLst>
+        </pc:spChg>
+      </pc:sldChg>
+      <pc:sldChg chg="del">
+        <pc:chgData name="Toby Donaldson" userId="2e6e5431-bb17-4c41-9985-d39c50d83c73" providerId="ADAL" clId="{BD67D78A-A703-45A8-BB98-2DD5C4E9A403}" dt="2022-06-28T07:21:51.101" v="273" actId="2696"/>
+        <pc:sldMkLst>
+          <pc:docMk/>
+          <pc:sldMk cId="1573181305" sldId="280"/>
+        </pc:sldMkLst>
+      </pc:sldChg>
+      <pc:sldChg chg="modSp mod">
+        <pc:chgData name="Toby Donaldson" userId="2e6e5431-bb17-4c41-9985-d39c50d83c73" providerId="ADAL" clId="{BD67D78A-A703-45A8-BB98-2DD5C4E9A403}" dt="2022-06-28T07:06:49.862" v="34" actId="20577"/>
+        <pc:sldMkLst>
+          <pc:docMk/>
+          <pc:sldMk cId="3278974696" sldId="281"/>
+        </pc:sldMkLst>
+        <pc:spChg chg="mod">
+          <ac:chgData name="Toby Donaldson" userId="2e6e5431-bb17-4c41-9985-d39c50d83c73" providerId="ADAL" clId="{BD67D78A-A703-45A8-BB98-2DD5C4E9A403}" dt="2022-06-28T07:06:49.862" v="34" actId="20577"/>
+          <ac:spMkLst>
+            <pc:docMk/>
+            <pc:sldMk cId="3278974696" sldId="281"/>
+            <ac:spMk id="2" creationId="{9E374E6F-0FF1-43DD-A06C-EF7571CCEA89}"/>
+          </ac:spMkLst>
+        </pc:spChg>
+      </pc:sldChg>
+      <pc:sldChg chg="modSp mod">
+        <pc:chgData name="Toby Donaldson" userId="2e6e5431-bb17-4c41-9985-d39c50d83c73" providerId="ADAL" clId="{BD67D78A-A703-45A8-BB98-2DD5C4E9A403}" dt="2022-06-28T07:13:50.656" v="112" actId="1076"/>
+        <pc:sldMkLst>
+          <pc:docMk/>
+          <pc:sldMk cId="640359146" sldId="284"/>
+        </pc:sldMkLst>
+        <pc:spChg chg="mod">
+          <ac:chgData name="Toby Donaldson" userId="2e6e5431-bb17-4c41-9985-d39c50d83c73" providerId="ADAL" clId="{BD67D78A-A703-45A8-BB98-2DD5C4E9A403}" dt="2022-06-28T07:13:50.656" v="112" actId="1076"/>
+          <ac:spMkLst>
+            <pc:docMk/>
+            <pc:sldMk cId="640359146" sldId="284"/>
+            <ac:spMk id="12" creationId="{7D456361-9CC9-3318-8D15-4F61A6B43E78}"/>
+          </ac:spMkLst>
+        </pc:spChg>
+        <pc:picChg chg="mod">
+          <ac:chgData name="Toby Donaldson" userId="2e6e5431-bb17-4c41-9985-d39c50d83c73" providerId="ADAL" clId="{BD67D78A-A703-45A8-BB98-2DD5C4E9A403}" dt="2022-06-28T07:12:57.208" v="107" actId="1076"/>
+          <ac:picMkLst>
+            <pc:docMk/>
+            <pc:sldMk cId="640359146" sldId="284"/>
+            <ac:picMk id="9218" creationId="{E7D5CC9F-455F-BD05-02DE-B922EFF37FF8}"/>
+          </ac:picMkLst>
+        </pc:picChg>
+      </pc:sldChg>
+      <pc:sldChg chg="delSp modSp add mod ord">
+        <pc:chgData name="Toby Donaldson" userId="2e6e5431-bb17-4c41-9985-d39c50d83c73" providerId="ADAL" clId="{BD67D78A-A703-45A8-BB98-2DD5C4E9A403}" dt="2022-06-28T07:05:13.570" v="22"/>
+        <pc:sldMkLst>
+          <pc:docMk/>
+          <pc:sldMk cId="561900905" sldId="285"/>
+        </pc:sldMkLst>
+        <pc:spChg chg="del">
+          <ac:chgData name="Toby Donaldson" userId="2e6e5431-bb17-4c41-9985-d39c50d83c73" providerId="ADAL" clId="{BD67D78A-A703-45A8-BB98-2DD5C4E9A403}" dt="2022-06-28T07:04:32.252" v="10" actId="21"/>
+          <ac:spMkLst>
+            <pc:docMk/>
+            <pc:sldMk cId="561900905" sldId="285"/>
+            <ac:spMk id="12" creationId="{FECFF8B1-9D5A-0626-DF1B-81023BD78BC3}"/>
+          </ac:spMkLst>
+        </pc:spChg>
+        <pc:spChg chg="mod">
+          <ac:chgData name="Toby Donaldson" userId="2e6e5431-bb17-4c41-9985-d39c50d83c73" providerId="ADAL" clId="{BD67D78A-A703-45A8-BB98-2DD5C4E9A403}" dt="2022-06-28T07:05:09.462" v="20" actId="1076"/>
+          <ac:spMkLst>
+            <pc:docMk/>
+            <pc:sldMk cId="561900905" sldId="285"/>
+            <ac:spMk id="19" creationId="{23530188-1C40-2C32-5B87-5534EF6CEC9A}"/>
+          </ac:spMkLst>
+        </pc:spChg>
+        <pc:picChg chg="mod">
+          <ac:chgData name="Toby Donaldson" userId="2e6e5431-bb17-4c41-9985-d39c50d83c73" providerId="ADAL" clId="{BD67D78A-A703-45A8-BB98-2DD5C4E9A403}" dt="2022-06-28T07:05:03.920" v="19" actId="1076"/>
+          <ac:picMkLst>
+            <pc:docMk/>
+            <pc:sldMk cId="561900905" sldId="285"/>
+            <ac:picMk id="2050" creationId="{D679BD0D-1935-CDE7-84A8-00E0CE3BD90B}"/>
+          </ac:picMkLst>
+        </pc:picChg>
+        <pc:picChg chg="del">
+          <ac:chgData name="Toby Donaldson" userId="2e6e5431-bb17-4c41-9985-d39c50d83c73" providerId="ADAL" clId="{BD67D78A-A703-45A8-BB98-2DD5C4E9A403}" dt="2022-06-28T07:04:28.220" v="9" actId="21"/>
+          <ac:picMkLst>
+            <pc:docMk/>
+            <pc:sldMk cId="561900905" sldId="285"/>
+            <ac:picMk id="2052" creationId="{19B9F74D-EF65-B836-CB90-79C210C70E28}"/>
+          </ac:picMkLst>
+        </pc:picChg>
+      </pc:sldChg>
+      <pc:sldChg chg="add modAnim">
+        <pc:chgData name="Toby Donaldson" userId="2e6e5431-bb17-4c41-9985-d39c50d83c73" providerId="ADAL" clId="{BD67D78A-A703-45A8-BB98-2DD5C4E9A403}" dt="2022-06-28T07:11:27.061" v="45"/>
+        <pc:sldMkLst>
+          <pc:docMk/>
+          <pc:sldMk cId="3541154876" sldId="286"/>
+        </pc:sldMkLst>
       </pc:sldChg>
     </pc:docChg>
   </pc:docChgLst>
@@ -5341,7 +5631,7 @@
           <a:p>
             <a:fld id="{C65E533D-5A30-424C-ADAA-EBA918E78813}" type="datetimeFigureOut">
               <a:rPr lang="en-AU" smtClean="0"/>
-              <a:t>24/06/2022</a:t>
+              <a:t>28/06/2022</a:t>
             </a:fld>
             <a:endParaRPr lang="en-AU"/>
           </a:p>
@@ -5541,7 +5831,7 @@
           <a:p>
             <a:fld id="{C65E533D-5A30-424C-ADAA-EBA918E78813}" type="datetimeFigureOut">
               <a:rPr lang="en-AU" smtClean="0"/>
-              <a:t>24/06/2022</a:t>
+              <a:t>28/06/2022</a:t>
             </a:fld>
             <a:endParaRPr lang="en-AU"/>
           </a:p>
@@ -5751,7 +6041,7 @@
           <a:p>
             <a:fld id="{C65E533D-5A30-424C-ADAA-EBA918E78813}" type="datetimeFigureOut">
               <a:rPr lang="en-AU" smtClean="0"/>
-              <a:t>24/06/2022</a:t>
+              <a:t>28/06/2022</a:t>
             </a:fld>
             <a:endParaRPr lang="en-AU"/>
           </a:p>
@@ -5951,7 +6241,7 @@
           <a:p>
             <a:fld id="{C65E533D-5A30-424C-ADAA-EBA918E78813}" type="datetimeFigureOut">
               <a:rPr lang="en-AU" smtClean="0"/>
-              <a:t>24/06/2022</a:t>
+              <a:t>28/06/2022</a:t>
             </a:fld>
             <a:endParaRPr lang="en-AU"/>
           </a:p>
@@ -6227,7 +6517,7 @@
           <a:p>
             <a:fld id="{C65E533D-5A30-424C-ADAA-EBA918E78813}" type="datetimeFigureOut">
               <a:rPr lang="en-AU" smtClean="0"/>
-              <a:t>24/06/2022</a:t>
+              <a:t>28/06/2022</a:t>
             </a:fld>
             <a:endParaRPr lang="en-AU"/>
           </a:p>
@@ -6495,7 +6785,7 @@
           <a:p>
             <a:fld id="{C65E533D-5A30-424C-ADAA-EBA918E78813}" type="datetimeFigureOut">
               <a:rPr lang="en-AU" smtClean="0"/>
-              <a:t>24/06/2022</a:t>
+              <a:t>28/06/2022</a:t>
             </a:fld>
             <a:endParaRPr lang="en-AU"/>
           </a:p>
@@ -6910,7 +7200,7 @@
           <a:p>
             <a:fld id="{C65E533D-5A30-424C-ADAA-EBA918E78813}" type="datetimeFigureOut">
               <a:rPr lang="en-AU" smtClean="0"/>
-              <a:t>24/06/2022</a:t>
+              <a:t>28/06/2022</a:t>
             </a:fld>
             <a:endParaRPr lang="en-AU"/>
           </a:p>
@@ -7052,7 +7342,7 @@
           <a:p>
             <a:fld id="{C65E533D-5A30-424C-ADAA-EBA918E78813}" type="datetimeFigureOut">
               <a:rPr lang="en-AU" smtClean="0"/>
-              <a:t>24/06/2022</a:t>
+              <a:t>28/06/2022</a:t>
             </a:fld>
             <a:endParaRPr lang="en-AU"/>
           </a:p>
@@ -7165,7 +7455,7 @@
           <a:p>
             <a:fld id="{C65E533D-5A30-424C-ADAA-EBA918E78813}" type="datetimeFigureOut">
               <a:rPr lang="en-AU" smtClean="0"/>
-              <a:t>24/06/2022</a:t>
+              <a:t>28/06/2022</a:t>
             </a:fld>
             <a:endParaRPr lang="en-AU"/>
           </a:p>
@@ -7478,7 +7768,7 @@
           <a:p>
             <a:fld id="{C65E533D-5A30-424C-ADAA-EBA918E78813}" type="datetimeFigureOut">
               <a:rPr lang="en-AU" smtClean="0"/>
-              <a:t>24/06/2022</a:t>
+              <a:t>28/06/2022</a:t>
             </a:fld>
             <a:endParaRPr lang="en-AU"/>
           </a:p>
@@ -7767,7 +8057,7 @@
           <a:p>
             <a:fld id="{C65E533D-5A30-424C-ADAA-EBA918E78813}" type="datetimeFigureOut">
               <a:rPr lang="en-AU" smtClean="0"/>
-              <a:t>24/06/2022</a:t>
+              <a:t>28/06/2022</a:t>
             </a:fld>
             <a:endParaRPr lang="en-AU"/>
           </a:p>
@@ -8010,7 +8300,7 @@
           <a:p>
             <a:fld id="{C65E533D-5A30-424C-ADAA-EBA918E78813}" type="datetimeFigureOut">
               <a:rPr lang="en-AU" smtClean="0"/>
-              <a:t>24/06/2022</a:t>
+              <a:t>28/06/2022</a:t>
             </a:fld>
             <a:endParaRPr lang="en-AU"/>
           </a:p>
@@ -8441,7 +8731,7 @@
         </p:nvSpPr>
         <p:spPr>
           <a:xfrm>
-            <a:off x="5122199" y="2551245"/>
+            <a:off x="5121443" y="3243063"/>
             <a:ext cx="6536551" cy="2062103"/>
           </a:xfrm>
           <a:prstGeom prst="rect">
@@ -8485,7 +8775,7 @@
         </p:nvSpPr>
         <p:spPr>
           <a:xfrm>
-            <a:off x="6987686" y="4813321"/>
+            <a:off x="1123345" y="4620706"/>
             <a:ext cx="2805576" cy="1754326"/>
           </a:xfrm>
           <a:prstGeom prst="rect">
@@ -8541,7 +8831,7 @@
         </p:nvSpPr>
         <p:spPr>
           <a:xfrm>
-            <a:off x="1229817" y="3429000"/>
+            <a:off x="1123345" y="2239028"/>
             <a:ext cx="2678938" cy="1569660"/>
           </a:xfrm>
           <a:prstGeom prst="rect">
@@ -8642,6 +8932,876 @@
       </p:grpSpPr>
       <p:sp>
         <p:nvSpPr>
+          <p:cNvPr id="8" name="TextBox 7">
+            <a:extLst>
+              <a:ext uri="{FF2B5EF4-FFF2-40B4-BE49-F238E27FC236}">
+                <a16:creationId xmlns:a16="http://schemas.microsoft.com/office/drawing/2014/main" id="{E2400FBB-A4E6-4E19-BEB2-E43F372AEDD9}"/>
+              </a:ext>
+            </a:extLst>
+          </p:cNvPr>
+          <p:cNvSpPr txBox="1"/>
+          <p:nvPr/>
+        </p:nvSpPr>
+        <p:spPr>
+          <a:xfrm>
+            <a:off x="-536530" y="176250"/>
+            <a:ext cx="4858658" cy="1323439"/>
+          </a:xfrm>
+          <a:prstGeom prst="rect">
+            <a:avLst/>
+          </a:prstGeom>
+          <a:noFill/>
+        </p:spPr>
+        <p:txBody>
+          <a:bodyPr wrap="square" rtlCol="0">
+            <a:spAutoFit/>
+          </a:bodyPr>
+          <a:lstStyle/>
+          <a:p>
+            <a:pPr algn="ctr"/>
+            <a:r>
+              <a:rPr lang="en-CA" sz="8000" dirty="0">
+                <a:solidFill>
+                  <a:srgbClr val="00B0F0"/>
+                </a:solidFill>
+              </a:rPr>
+              <a:t>1990</a:t>
+            </a:r>
+            <a:endParaRPr lang="en-AU" sz="8000" dirty="0">
+              <a:solidFill>
+                <a:srgbClr val="00B0F0"/>
+              </a:solidFill>
+            </a:endParaRPr>
+          </a:p>
+        </p:txBody>
+      </p:sp>
+      <p:sp>
+        <p:nvSpPr>
+          <p:cNvPr id="2" name="TextBox 1">
+            <a:extLst>
+              <a:ext uri="{FF2B5EF4-FFF2-40B4-BE49-F238E27FC236}">
+                <a16:creationId xmlns:a16="http://schemas.microsoft.com/office/drawing/2014/main" id="{C6F28FBB-0ACA-E8AD-E9D2-5A10750FC260}"/>
+              </a:ext>
+            </a:extLst>
+          </p:cNvPr>
+          <p:cNvSpPr txBox="1"/>
+          <p:nvPr/>
+        </p:nvSpPr>
+        <p:spPr>
+          <a:xfrm>
+            <a:off x="636088" y="5866181"/>
+            <a:ext cx="2506135" cy="800219"/>
+          </a:xfrm>
+          <a:prstGeom prst="rect">
+            <a:avLst/>
+          </a:prstGeom>
+          <a:noFill/>
+        </p:spPr>
+        <p:txBody>
+          <a:bodyPr wrap="none" rtlCol="0">
+            <a:spAutoFit/>
+          </a:bodyPr>
+          <a:lstStyle/>
+          <a:p>
+            <a:pPr algn="ctr"/>
+            <a:r>
+              <a:rPr lang="en-CA" sz="2800" b="1" dirty="0"/>
+              <a:t>Brian Mulroney</a:t>
+            </a:r>
+          </a:p>
+          <a:p>
+            <a:endParaRPr lang="en-AU" dirty="0"/>
+          </a:p>
+        </p:txBody>
+      </p:sp>
+      <p:sp>
+        <p:nvSpPr>
+          <p:cNvPr id="9" name="TextBox 8">
+            <a:extLst>
+              <a:ext uri="{FF2B5EF4-FFF2-40B4-BE49-F238E27FC236}">
+                <a16:creationId xmlns:a16="http://schemas.microsoft.com/office/drawing/2014/main" id="{14BC7E00-46A1-9983-75B7-574401B94175}"/>
+              </a:ext>
+            </a:extLst>
+          </p:cNvPr>
+          <p:cNvSpPr txBox="1"/>
+          <p:nvPr/>
+        </p:nvSpPr>
+        <p:spPr>
+          <a:xfrm>
+            <a:off x="4189993" y="5866182"/>
+            <a:ext cx="2946192" cy="800219"/>
+          </a:xfrm>
+          <a:prstGeom prst="rect">
+            <a:avLst/>
+          </a:prstGeom>
+          <a:noFill/>
+        </p:spPr>
+        <p:txBody>
+          <a:bodyPr wrap="none" rtlCol="0">
+            <a:spAutoFit/>
+          </a:bodyPr>
+          <a:lstStyle/>
+          <a:p>
+            <a:pPr algn="ctr"/>
+            <a:r>
+              <a:rPr lang="en-CA" sz="2800" b="1" dirty="0"/>
+              <a:t>George H. W. Bush</a:t>
+            </a:r>
+            <a:endParaRPr lang="en-AU" sz="2800" b="1" dirty="0"/>
+          </a:p>
+          <a:p>
+            <a:endParaRPr lang="en-AU" dirty="0"/>
+          </a:p>
+        </p:txBody>
+      </p:sp>
+      <p:sp>
+        <p:nvSpPr>
+          <p:cNvPr id="10" name="TextBox 9">
+            <a:extLst>
+              <a:ext uri="{FF2B5EF4-FFF2-40B4-BE49-F238E27FC236}">
+                <a16:creationId xmlns:a16="http://schemas.microsoft.com/office/drawing/2014/main" id="{4CC38CBC-D973-5348-0555-5578FBDE72D2}"/>
+              </a:ext>
+            </a:extLst>
+          </p:cNvPr>
+          <p:cNvSpPr txBox="1"/>
+          <p:nvPr/>
+        </p:nvSpPr>
+        <p:spPr>
+          <a:xfrm>
+            <a:off x="8125667" y="1575736"/>
+            <a:ext cx="3277107" cy="523220"/>
+          </a:xfrm>
+          <a:prstGeom prst="rect">
+            <a:avLst/>
+          </a:prstGeom>
+          <a:noFill/>
+        </p:spPr>
+        <p:txBody>
+          <a:bodyPr wrap="square">
+            <a:spAutoFit/>
+          </a:bodyPr>
+          <a:lstStyle/>
+          <a:p>
+            <a:pPr algn="ctr"/>
+            <a:r>
+              <a:rPr lang="en-AU" sz="2800" dirty="0"/>
+              <a:t>This TV show started </a:t>
+            </a:r>
+          </a:p>
+        </p:txBody>
+      </p:sp>
+      <p:sp>
+        <p:nvSpPr>
+          <p:cNvPr id="13" name="TextBox 12">
+            <a:extLst>
+              <a:ext uri="{FF2B5EF4-FFF2-40B4-BE49-F238E27FC236}">
+                <a16:creationId xmlns:a16="http://schemas.microsoft.com/office/drawing/2014/main" id="{4B980735-E3C3-244F-1907-082B5F770DF8}"/>
+              </a:ext>
+            </a:extLst>
+          </p:cNvPr>
+          <p:cNvSpPr txBox="1"/>
+          <p:nvPr/>
+        </p:nvSpPr>
+        <p:spPr>
+          <a:xfrm>
+            <a:off x="831815" y="1571621"/>
+            <a:ext cx="2114681" cy="800219"/>
+          </a:xfrm>
+          <a:prstGeom prst="rect">
+            <a:avLst/>
+          </a:prstGeom>
+          <a:noFill/>
+        </p:spPr>
+        <p:txBody>
+          <a:bodyPr wrap="none" rtlCol="0">
+            <a:spAutoFit/>
+          </a:bodyPr>
+          <a:lstStyle/>
+          <a:p>
+            <a:pPr algn="ctr"/>
+            <a:r>
+              <a:rPr lang="en-CA" sz="2800" dirty="0"/>
+              <a:t>Canadian PM</a:t>
+            </a:r>
+            <a:br>
+              <a:rPr lang="en-CA" sz="2800" dirty="0"/>
+            </a:br>
+            <a:endParaRPr lang="en-AU" dirty="0"/>
+          </a:p>
+        </p:txBody>
+      </p:sp>
+      <p:sp>
+        <p:nvSpPr>
+          <p:cNvPr id="14" name="TextBox 13">
+            <a:extLst>
+              <a:ext uri="{FF2B5EF4-FFF2-40B4-BE49-F238E27FC236}">
+                <a16:creationId xmlns:a16="http://schemas.microsoft.com/office/drawing/2014/main" id="{2A3243DC-2098-2F2D-D377-21A451C5B005}"/>
+              </a:ext>
+            </a:extLst>
+          </p:cNvPr>
+          <p:cNvSpPr txBox="1"/>
+          <p:nvPr/>
+        </p:nvSpPr>
+        <p:spPr>
+          <a:xfrm>
+            <a:off x="4479528" y="1571708"/>
+            <a:ext cx="2367123" cy="800219"/>
+          </a:xfrm>
+          <a:prstGeom prst="rect">
+            <a:avLst/>
+          </a:prstGeom>
+          <a:noFill/>
+        </p:spPr>
+        <p:txBody>
+          <a:bodyPr wrap="none" rtlCol="0">
+            <a:spAutoFit/>
+          </a:bodyPr>
+          <a:lstStyle/>
+          <a:p>
+            <a:pPr algn="ctr"/>
+            <a:r>
+              <a:rPr lang="en-CA" sz="2800" dirty="0"/>
+              <a:t>US President </a:t>
+            </a:r>
+            <a:endParaRPr lang="en-AU" sz="2800" b="1" dirty="0"/>
+          </a:p>
+          <a:p>
+            <a:endParaRPr lang="en-AU" dirty="0"/>
+          </a:p>
+        </p:txBody>
+      </p:sp>
+      <p:pic>
+        <p:nvPicPr>
+          <p:cNvPr id="6146" name="Picture 2">
+            <a:extLst>
+              <a:ext uri="{FF2B5EF4-FFF2-40B4-BE49-F238E27FC236}">
+                <a16:creationId xmlns:a16="http://schemas.microsoft.com/office/drawing/2014/main" id="{07EB9EC3-FE0E-1ED4-5A41-03589D093837}"/>
+              </a:ext>
+            </a:extLst>
+          </p:cNvPr>
+          <p:cNvPicPr>
+            <a:picLocks noChangeAspect="1" noChangeArrowheads="1"/>
+          </p:cNvPicPr>
+          <p:nvPr/>
+        </p:nvPicPr>
+        <p:blipFill>
+          <a:blip r:embed="rId2">
+            <a:extLst>
+              <a:ext uri="{28A0092B-C50C-407E-A947-70E740481C1C}">
+                <a14:useLocalDpi xmlns:a14="http://schemas.microsoft.com/office/drawing/2010/main" val="0"/>
+              </a:ext>
+            </a:extLst>
+          </a:blip>
+          <a:srcRect/>
+          <a:stretch>
+            <a:fillRect/>
+          </a:stretch>
+        </p:blipFill>
+        <p:spPr bwMode="auto">
+          <a:xfrm>
+            <a:off x="559596" y="2098956"/>
+            <a:ext cx="2659118" cy="3721551"/>
+          </a:xfrm>
+          <a:prstGeom prst="rect">
+            <a:avLst/>
+          </a:prstGeom>
+          <a:noFill/>
+          <a:extLst>
+            <a:ext uri="{909E8E84-426E-40DD-AFC4-6F175D3DCCD1}">
+              <a14:hiddenFill xmlns:a14="http://schemas.microsoft.com/office/drawing/2010/main">
+                <a:solidFill>
+                  <a:srgbClr val="FFFFFF"/>
+                </a:solidFill>
+              </a14:hiddenFill>
+            </a:ext>
+          </a:extLst>
+        </p:spPr>
+      </p:pic>
+      <p:pic>
+        <p:nvPicPr>
+          <p:cNvPr id="6148" name="Picture 4">
+            <a:extLst>
+              <a:ext uri="{FF2B5EF4-FFF2-40B4-BE49-F238E27FC236}">
+                <a16:creationId xmlns:a16="http://schemas.microsoft.com/office/drawing/2014/main" id="{09F15E64-58F0-6B35-19C4-4D6E112904BE}"/>
+              </a:ext>
+            </a:extLst>
+          </p:cNvPr>
+          <p:cNvPicPr>
+            <a:picLocks noChangeAspect="1" noChangeArrowheads="1"/>
+          </p:cNvPicPr>
+          <p:nvPr/>
+        </p:nvPicPr>
+        <p:blipFill rotWithShape="1">
+          <a:blip r:embed="rId3">
+            <a:extLst>
+              <a:ext uri="{28A0092B-C50C-407E-A947-70E740481C1C}">
+                <a14:useLocalDpi xmlns:a14="http://schemas.microsoft.com/office/drawing/2010/main" val="0"/>
+              </a:ext>
+            </a:extLst>
+          </a:blip>
+          <a:srcRect l="12105" r="13350" b="9318"/>
+          <a:stretch/>
+        </p:blipFill>
+        <p:spPr bwMode="auto">
+          <a:xfrm>
+            <a:off x="4133422" y="2056336"/>
+            <a:ext cx="3059335" cy="3721551"/>
+          </a:xfrm>
+          <a:prstGeom prst="rect">
+            <a:avLst/>
+          </a:prstGeom>
+          <a:noFill/>
+          <a:extLst>
+            <a:ext uri="{909E8E84-426E-40DD-AFC4-6F175D3DCCD1}">
+              <a14:hiddenFill xmlns:a14="http://schemas.microsoft.com/office/drawing/2010/main">
+                <a:solidFill>
+                  <a:srgbClr val="FFFFFF"/>
+                </a:solidFill>
+              </a14:hiddenFill>
+            </a:ext>
+          </a:extLst>
+        </p:spPr>
+      </p:pic>
+      <p:pic>
+        <p:nvPicPr>
+          <p:cNvPr id="6150" name="Picture 6" descr="Mr. Bean (TV Series 1990–1995) - IMDb">
+            <a:extLst>
+              <a:ext uri="{FF2B5EF4-FFF2-40B4-BE49-F238E27FC236}">
+                <a16:creationId xmlns:a16="http://schemas.microsoft.com/office/drawing/2014/main" id="{42A67001-52D0-86C2-CECB-EF592CE15310}"/>
+              </a:ext>
+            </a:extLst>
+          </p:cNvPr>
+          <p:cNvPicPr>
+            <a:picLocks noChangeAspect="1" noChangeArrowheads="1"/>
+          </p:cNvPicPr>
+          <p:nvPr/>
+        </p:nvPicPr>
+        <p:blipFill>
+          <a:blip r:embed="rId4">
+            <a:extLst>
+              <a:ext uri="{28A0092B-C50C-407E-A947-70E740481C1C}">
+                <a14:useLocalDpi xmlns:a14="http://schemas.microsoft.com/office/drawing/2010/main" val="0"/>
+              </a:ext>
+            </a:extLst>
+          </a:blip>
+          <a:srcRect/>
+          <a:stretch>
+            <a:fillRect/>
+          </a:stretch>
+        </p:blipFill>
+        <p:spPr bwMode="auto">
+          <a:xfrm>
+            <a:off x="8291124" y="1971730"/>
+            <a:ext cx="2946192" cy="4333522"/>
+          </a:xfrm>
+          <a:prstGeom prst="rect">
+            <a:avLst/>
+          </a:prstGeom>
+          <a:noFill/>
+          <a:extLst>
+            <a:ext uri="{909E8E84-426E-40DD-AFC4-6F175D3DCCD1}">
+              <a14:hiddenFill xmlns:a14="http://schemas.microsoft.com/office/drawing/2010/main">
+                <a:solidFill>
+                  <a:srgbClr val="FFFFFF"/>
+                </a:solidFill>
+              </a14:hiddenFill>
+            </a:ext>
+          </a:extLst>
+        </p:spPr>
+      </p:pic>
+    </p:spTree>
+    <p:extLst>
+      <p:ext uri="{BB962C8B-B14F-4D97-AF65-F5344CB8AC3E}">
+        <p14:creationId xmlns:p14="http://schemas.microsoft.com/office/powerpoint/2010/main" val="3541154876"/>
+      </p:ext>
+    </p:extLst>
+  </p:cSld>
+  <p:clrMapOvr>
+    <a:masterClrMapping/>
+  </p:clrMapOvr>
+  <p:timing>
+    <p:tnLst>
+      <p:par>
+        <p:cTn id="1" dur="indefinite" restart="never" nodeType="tmRoot">
+          <p:childTnLst>
+            <p:seq concurrent="1" nextAc="seek">
+              <p:cTn id="2" dur="indefinite" nodeType="mainSeq">
+                <p:childTnLst>
+                  <p:par>
+                    <p:cTn id="3" fill="hold">
+                      <p:stCondLst>
+                        <p:cond delay="indefinite"/>
+                      </p:stCondLst>
+                      <p:childTnLst>
+                        <p:par>
+                          <p:cTn id="4" fill="hold">
+                            <p:stCondLst>
+                              <p:cond delay="0"/>
+                            </p:stCondLst>
+                            <p:childTnLst>
+                              <p:par>
+                                <p:cTn id="5" presetID="10" presetClass="entr" presetSubtype="0" fill="hold" nodeType="clickEffect">
+                                  <p:stCondLst>
+                                    <p:cond delay="0"/>
+                                  </p:stCondLst>
+                                  <p:childTnLst>
+                                    <p:set>
+                                      <p:cBhvr>
+                                        <p:cTn id="6" dur="1" fill="hold">
+                                          <p:stCondLst>
+                                            <p:cond delay="0"/>
+                                          </p:stCondLst>
+                                        </p:cTn>
+                                        <p:tgtEl>
+                                          <p:spTgt spid="6146"/>
+                                        </p:tgtEl>
+                                        <p:attrNameLst>
+                                          <p:attrName>style.visibility</p:attrName>
+                                        </p:attrNameLst>
+                                      </p:cBhvr>
+                                      <p:to>
+                                        <p:strVal val="visible"/>
+                                      </p:to>
+                                    </p:set>
+                                    <p:animEffect transition="in" filter="fade">
+                                      <p:cBhvr>
+                                        <p:cTn id="7" dur="500"/>
+                                        <p:tgtEl>
+                                          <p:spTgt spid="6146"/>
+                                        </p:tgtEl>
+                                      </p:cBhvr>
+                                    </p:animEffect>
+                                  </p:childTnLst>
+                                </p:cTn>
+                              </p:par>
+                            </p:childTnLst>
+                          </p:cTn>
+                        </p:par>
+                      </p:childTnLst>
+                    </p:cTn>
+                  </p:par>
+                  <p:par>
+                    <p:cTn id="8" fill="hold">
+                      <p:stCondLst>
+                        <p:cond delay="indefinite"/>
+                      </p:stCondLst>
+                      <p:childTnLst>
+                        <p:par>
+                          <p:cTn id="9" fill="hold">
+                            <p:stCondLst>
+                              <p:cond delay="0"/>
+                            </p:stCondLst>
+                            <p:childTnLst>
+                              <p:par>
+                                <p:cTn id="10" presetID="10" presetClass="entr" presetSubtype="0" fill="hold" grpId="0" nodeType="clickEffect">
+                                  <p:stCondLst>
+                                    <p:cond delay="0"/>
+                                  </p:stCondLst>
+                                  <p:childTnLst>
+                                    <p:set>
+                                      <p:cBhvr>
+                                        <p:cTn id="11" dur="1" fill="hold">
+                                          <p:stCondLst>
+                                            <p:cond delay="0"/>
+                                          </p:stCondLst>
+                                        </p:cTn>
+                                        <p:tgtEl>
+                                          <p:spTgt spid="13"/>
+                                        </p:tgtEl>
+                                        <p:attrNameLst>
+                                          <p:attrName>style.visibility</p:attrName>
+                                        </p:attrNameLst>
+                                      </p:cBhvr>
+                                      <p:to>
+                                        <p:strVal val="visible"/>
+                                      </p:to>
+                                    </p:set>
+                                    <p:animEffect transition="in" filter="fade">
+                                      <p:cBhvr>
+                                        <p:cTn id="12" dur="500"/>
+                                        <p:tgtEl>
+                                          <p:spTgt spid="13"/>
+                                        </p:tgtEl>
+                                      </p:cBhvr>
+                                    </p:animEffect>
+                                  </p:childTnLst>
+                                </p:cTn>
+                              </p:par>
+                            </p:childTnLst>
+                          </p:cTn>
+                        </p:par>
+                      </p:childTnLst>
+                    </p:cTn>
+                  </p:par>
+                  <p:par>
+                    <p:cTn id="13" fill="hold">
+                      <p:stCondLst>
+                        <p:cond delay="indefinite"/>
+                      </p:stCondLst>
+                      <p:childTnLst>
+                        <p:par>
+                          <p:cTn id="14" fill="hold">
+                            <p:stCondLst>
+                              <p:cond delay="0"/>
+                            </p:stCondLst>
+                            <p:childTnLst>
+                              <p:par>
+                                <p:cTn id="15" presetID="10" presetClass="entr" presetSubtype="0" fill="hold" grpId="0" nodeType="clickEffect">
+                                  <p:stCondLst>
+                                    <p:cond delay="0"/>
+                                  </p:stCondLst>
+                                  <p:childTnLst>
+                                    <p:set>
+                                      <p:cBhvr>
+                                        <p:cTn id="16" dur="1" fill="hold">
+                                          <p:stCondLst>
+                                            <p:cond delay="0"/>
+                                          </p:stCondLst>
+                                        </p:cTn>
+                                        <p:tgtEl>
+                                          <p:spTgt spid="2"/>
+                                        </p:tgtEl>
+                                        <p:attrNameLst>
+                                          <p:attrName>style.visibility</p:attrName>
+                                        </p:attrNameLst>
+                                      </p:cBhvr>
+                                      <p:to>
+                                        <p:strVal val="visible"/>
+                                      </p:to>
+                                    </p:set>
+                                    <p:animEffect transition="in" filter="fade">
+                                      <p:cBhvr>
+                                        <p:cTn id="17" dur="500"/>
+                                        <p:tgtEl>
+                                          <p:spTgt spid="2"/>
+                                        </p:tgtEl>
+                                      </p:cBhvr>
+                                    </p:animEffect>
+                                  </p:childTnLst>
+                                </p:cTn>
+                              </p:par>
+                            </p:childTnLst>
+                          </p:cTn>
+                        </p:par>
+                      </p:childTnLst>
+                    </p:cTn>
+                  </p:par>
+                  <p:par>
+                    <p:cTn id="18" fill="hold">
+                      <p:stCondLst>
+                        <p:cond delay="indefinite"/>
+                      </p:stCondLst>
+                      <p:childTnLst>
+                        <p:par>
+                          <p:cTn id="19" fill="hold">
+                            <p:stCondLst>
+                              <p:cond delay="0"/>
+                            </p:stCondLst>
+                            <p:childTnLst>
+                              <p:par>
+                                <p:cTn id="20" presetID="10" presetClass="entr" presetSubtype="0" fill="hold" grpId="0" nodeType="clickEffect">
+                                  <p:stCondLst>
+                                    <p:cond delay="0"/>
+                                  </p:stCondLst>
+                                  <p:childTnLst>
+                                    <p:set>
+                                      <p:cBhvr>
+                                        <p:cTn id="21" dur="1" fill="hold">
+                                          <p:stCondLst>
+                                            <p:cond delay="0"/>
+                                          </p:stCondLst>
+                                        </p:cTn>
+                                        <p:tgtEl>
+                                          <p:spTgt spid="14"/>
+                                        </p:tgtEl>
+                                        <p:attrNameLst>
+                                          <p:attrName>style.visibility</p:attrName>
+                                        </p:attrNameLst>
+                                      </p:cBhvr>
+                                      <p:to>
+                                        <p:strVal val="visible"/>
+                                      </p:to>
+                                    </p:set>
+                                    <p:animEffect transition="in" filter="fade">
+                                      <p:cBhvr>
+                                        <p:cTn id="22" dur="500"/>
+                                        <p:tgtEl>
+                                          <p:spTgt spid="14"/>
+                                        </p:tgtEl>
+                                      </p:cBhvr>
+                                    </p:animEffect>
+                                  </p:childTnLst>
+                                </p:cTn>
+                              </p:par>
+                            </p:childTnLst>
+                          </p:cTn>
+                        </p:par>
+                      </p:childTnLst>
+                    </p:cTn>
+                  </p:par>
+                  <p:par>
+                    <p:cTn id="23" fill="hold">
+                      <p:stCondLst>
+                        <p:cond delay="indefinite"/>
+                      </p:stCondLst>
+                      <p:childTnLst>
+                        <p:par>
+                          <p:cTn id="24" fill="hold">
+                            <p:stCondLst>
+                              <p:cond delay="0"/>
+                            </p:stCondLst>
+                            <p:childTnLst>
+                              <p:par>
+                                <p:cTn id="25" presetID="10" presetClass="entr" presetSubtype="0" fill="hold" nodeType="clickEffect">
+                                  <p:stCondLst>
+                                    <p:cond delay="0"/>
+                                  </p:stCondLst>
+                                  <p:childTnLst>
+                                    <p:set>
+                                      <p:cBhvr>
+                                        <p:cTn id="26" dur="1" fill="hold">
+                                          <p:stCondLst>
+                                            <p:cond delay="0"/>
+                                          </p:stCondLst>
+                                        </p:cTn>
+                                        <p:tgtEl>
+                                          <p:spTgt spid="6148"/>
+                                        </p:tgtEl>
+                                        <p:attrNameLst>
+                                          <p:attrName>style.visibility</p:attrName>
+                                        </p:attrNameLst>
+                                      </p:cBhvr>
+                                      <p:to>
+                                        <p:strVal val="visible"/>
+                                      </p:to>
+                                    </p:set>
+                                    <p:animEffect transition="in" filter="fade">
+                                      <p:cBhvr>
+                                        <p:cTn id="27" dur="500"/>
+                                        <p:tgtEl>
+                                          <p:spTgt spid="6148"/>
+                                        </p:tgtEl>
+                                      </p:cBhvr>
+                                    </p:animEffect>
+                                  </p:childTnLst>
+                                </p:cTn>
+                              </p:par>
+                            </p:childTnLst>
+                          </p:cTn>
+                        </p:par>
+                      </p:childTnLst>
+                    </p:cTn>
+                  </p:par>
+                  <p:par>
+                    <p:cTn id="28" fill="hold">
+                      <p:stCondLst>
+                        <p:cond delay="indefinite"/>
+                      </p:stCondLst>
+                      <p:childTnLst>
+                        <p:par>
+                          <p:cTn id="29" fill="hold">
+                            <p:stCondLst>
+                              <p:cond delay="0"/>
+                            </p:stCondLst>
+                            <p:childTnLst>
+                              <p:par>
+                                <p:cTn id="30" presetID="10" presetClass="entr" presetSubtype="0" fill="hold" grpId="0" nodeType="clickEffect">
+                                  <p:stCondLst>
+                                    <p:cond delay="0"/>
+                                  </p:stCondLst>
+                                  <p:childTnLst>
+                                    <p:set>
+                                      <p:cBhvr>
+                                        <p:cTn id="31" dur="1" fill="hold">
+                                          <p:stCondLst>
+                                            <p:cond delay="0"/>
+                                          </p:stCondLst>
+                                        </p:cTn>
+                                        <p:tgtEl>
+                                          <p:spTgt spid="9"/>
+                                        </p:tgtEl>
+                                        <p:attrNameLst>
+                                          <p:attrName>style.visibility</p:attrName>
+                                        </p:attrNameLst>
+                                      </p:cBhvr>
+                                      <p:to>
+                                        <p:strVal val="visible"/>
+                                      </p:to>
+                                    </p:set>
+                                    <p:animEffect transition="in" filter="fade">
+                                      <p:cBhvr>
+                                        <p:cTn id="32" dur="500"/>
+                                        <p:tgtEl>
+                                          <p:spTgt spid="9"/>
+                                        </p:tgtEl>
+                                      </p:cBhvr>
+                                    </p:animEffect>
+                                  </p:childTnLst>
+                                </p:cTn>
+                              </p:par>
+                            </p:childTnLst>
+                          </p:cTn>
+                        </p:par>
+                      </p:childTnLst>
+                    </p:cTn>
+                  </p:par>
+                  <p:par>
+                    <p:cTn id="33" fill="hold">
+                      <p:stCondLst>
+                        <p:cond delay="indefinite"/>
+                      </p:stCondLst>
+                      <p:childTnLst>
+                        <p:par>
+                          <p:cTn id="34" fill="hold">
+                            <p:stCondLst>
+                              <p:cond delay="0"/>
+                            </p:stCondLst>
+                            <p:childTnLst>
+                              <p:par>
+                                <p:cTn id="35" presetID="10" presetClass="entr" presetSubtype="0" fill="hold" grpId="0" nodeType="clickEffect">
+                                  <p:stCondLst>
+                                    <p:cond delay="0"/>
+                                  </p:stCondLst>
+                                  <p:childTnLst>
+                                    <p:set>
+                                      <p:cBhvr>
+                                        <p:cTn id="36" dur="1" fill="hold">
+                                          <p:stCondLst>
+                                            <p:cond delay="0"/>
+                                          </p:stCondLst>
+                                        </p:cTn>
+                                        <p:tgtEl>
+                                          <p:spTgt spid="10"/>
+                                        </p:tgtEl>
+                                        <p:attrNameLst>
+                                          <p:attrName>style.visibility</p:attrName>
+                                        </p:attrNameLst>
+                                      </p:cBhvr>
+                                      <p:to>
+                                        <p:strVal val="visible"/>
+                                      </p:to>
+                                    </p:set>
+                                    <p:animEffect transition="in" filter="fade">
+                                      <p:cBhvr>
+                                        <p:cTn id="37" dur="500"/>
+                                        <p:tgtEl>
+                                          <p:spTgt spid="10"/>
+                                        </p:tgtEl>
+                                      </p:cBhvr>
+                                    </p:animEffect>
+                                  </p:childTnLst>
+                                </p:cTn>
+                              </p:par>
+                            </p:childTnLst>
+                          </p:cTn>
+                        </p:par>
+                      </p:childTnLst>
+                    </p:cTn>
+                  </p:par>
+                  <p:par>
+                    <p:cTn id="38" fill="hold">
+                      <p:stCondLst>
+                        <p:cond delay="indefinite"/>
+                      </p:stCondLst>
+                      <p:childTnLst>
+                        <p:par>
+                          <p:cTn id="39" fill="hold">
+                            <p:stCondLst>
+                              <p:cond delay="0"/>
+                            </p:stCondLst>
+                            <p:childTnLst>
+                              <p:par>
+                                <p:cTn id="40" presetID="10" presetClass="entr" presetSubtype="0" fill="hold" nodeType="clickEffect">
+                                  <p:stCondLst>
+                                    <p:cond delay="0"/>
+                                  </p:stCondLst>
+                                  <p:childTnLst>
+                                    <p:set>
+                                      <p:cBhvr>
+                                        <p:cTn id="41" dur="1" fill="hold">
+                                          <p:stCondLst>
+                                            <p:cond delay="0"/>
+                                          </p:stCondLst>
+                                        </p:cTn>
+                                        <p:tgtEl>
+                                          <p:spTgt spid="6150"/>
+                                        </p:tgtEl>
+                                        <p:attrNameLst>
+                                          <p:attrName>style.visibility</p:attrName>
+                                        </p:attrNameLst>
+                                      </p:cBhvr>
+                                      <p:to>
+                                        <p:strVal val="visible"/>
+                                      </p:to>
+                                    </p:set>
+                                    <p:animEffect transition="in" filter="fade">
+                                      <p:cBhvr>
+                                        <p:cTn id="42" dur="500"/>
+                                        <p:tgtEl>
+                                          <p:spTgt spid="6150"/>
+                                        </p:tgtEl>
+                                      </p:cBhvr>
+                                    </p:animEffect>
+                                  </p:childTnLst>
+                                </p:cTn>
+                              </p:par>
+                            </p:childTnLst>
+                          </p:cTn>
+                        </p:par>
+                      </p:childTnLst>
+                    </p:cTn>
+                  </p:par>
+                </p:childTnLst>
+              </p:cTn>
+              <p:prevCondLst>
+                <p:cond evt="onPrev" delay="0">
+                  <p:tgtEl>
+                    <p:sldTgt/>
+                  </p:tgtEl>
+                </p:cond>
+              </p:prevCondLst>
+              <p:nextCondLst>
+                <p:cond evt="onNext" delay="0">
+                  <p:tgtEl>
+                    <p:sldTgt/>
+                  </p:tgtEl>
+                </p:cond>
+              </p:nextCondLst>
+            </p:seq>
+          </p:childTnLst>
+        </p:cTn>
+      </p:par>
+    </p:tnLst>
+    <p:bldLst>
+      <p:bldP spid="2" grpId="0"/>
+      <p:bldP spid="9" grpId="0"/>
+      <p:bldP spid="10" grpId="0"/>
+      <p:bldP spid="13" grpId="0"/>
+      <p:bldP spid="14" grpId="0"/>
+    </p:bldLst>
+  </p:timing>
+</p:sld>
+</file>
+
+<file path=ppt/slides/slide11.xml><?xml version="1.0" encoding="utf-8"?>
+<p:sld xmlns:a="http://schemas.openxmlformats.org/drawingml/2006/main" xmlns:r="http://schemas.openxmlformats.org/officeDocument/2006/relationships" xmlns:p="http://schemas.openxmlformats.org/presentationml/2006/main">
+  <p:cSld>
+    <p:spTree>
+      <p:nvGrpSpPr>
+        <p:cNvPr id="1" name=""/>
+        <p:cNvGrpSpPr/>
+        <p:nvPr/>
+      </p:nvGrpSpPr>
+      <p:grpSpPr>
+        <a:xfrm>
+          <a:off x="0" y="0"/>
+          <a:ext cx="0" cy="0"/>
+          <a:chOff x="0" y="0"/>
+          <a:chExt cx="0" cy="0"/>
+        </a:xfrm>
+      </p:grpSpPr>
+      <p:sp>
+        <p:nvSpPr>
           <p:cNvPr id="3" name="TextBox 2">
             <a:extLst>
               <a:ext uri="{FF2B5EF4-FFF2-40B4-BE49-F238E27FC236}">
@@ -8780,7 +9940,7 @@
 </p:sld>
 </file>
 
-<file path=ppt/slides/slide11.xml><?xml version="1.0" encoding="utf-8"?>
+<file path=ppt/slides/slide12.xml><?xml version="1.0" encoding="utf-8"?>
 <p:sld xmlns:a="http://schemas.openxmlformats.org/drawingml/2006/main" xmlns:r="http://schemas.openxmlformats.org/officeDocument/2006/relationships" xmlns:p="http://schemas.openxmlformats.org/presentationml/2006/main">
   <p:cSld>
     <p:spTree>
@@ -8853,8 +10013,8 @@
         </p:nvSpPr>
         <p:spPr>
           <a:xfrm>
-            <a:off x="7104185" y="1948526"/>
-            <a:ext cx="3696677" cy="3170099"/>
+            <a:off x="7096928" y="1695599"/>
+            <a:ext cx="3696677" cy="4278094"/>
           </a:xfrm>
           <a:prstGeom prst="rect">
             <a:avLst/>
@@ -8890,6 +10050,17 @@
               <a:rPr lang="en-CA" sz="2400" dirty="0"/>
               <a:t>Mathematician who did much of foundational work in the lambda calculus, the mathematical foundation of functional programming.</a:t>
             </a:r>
+          </a:p>
+          <a:p>
+            <a:pPr algn="ctr"/>
+            <a:endParaRPr lang="en-CA" sz="2400" dirty="0"/>
+          </a:p>
+          <a:p>
+            <a:pPr algn="ctr"/>
+            <a:r>
+              <a:rPr lang="en-CA" sz="2400" dirty="0"/>
+              <a:t>He wasn’t involved with the Haskell language itself.</a:t>
+            </a:r>
             <a:endParaRPr lang="en-AU" sz="2400" dirty="0"/>
           </a:p>
         </p:txBody>
@@ -8923,8 +10094,8 @@
         </p:blipFill>
         <p:spPr bwMode="auto">
           <a:xfrm>
-            <a:off x="2172555" y="1107710"/>
-            <a:ext cx="4337661" cy="5332680"/>
+            <a:off x="1139372" y="943963"/>
+            <a:ext cx="4702628" cy="5781367"/>
           </a:xfrm>
           <a:prstGeom prst="rect">
             <a:avLst/>
@@ -8954,7 +10125,7 @@
 </p:sld>
 </file>
 
-<file path=ppt/slides/slide12.xml><?xml version="1.0" encoding="utf-8"?>
+<file path=ppt/slides/slide13.xml><?xml version="1.0" encoding="utf-8"?>
 <p:sld xmlns:a="http://schemas.openxmlformats.org/drawingml/2006/main" xmlns:r="http://schemas.openxmlformats.org/officeDocument/2006/relationships" xmlns:p="http://schemas.openxmlformats.org/presentationml/2006/main">
   <p:cSld>
     <p:spTree>
@@ -9093,164 +10264,6 @@
 </p:sld>
 </file>
 
-<file path=ppt/slides/slide13.xml><?xml version="1.0" encoding="utf-8"?>
-<p:sld xmlns:a="http://schemas.openxmlformats.org/drawingml/2006/main" xmlns:r="http://schemas.openxmlformats.org/officeDocument/2006/relationships" xmlns:p="http://schemas.openxmlformats.org/presentationml/2006/main">
-  <p:cSld>
-    <p:spTree>
-      <p:nvGrpSpPr>
-        <p:cNvPr id="1" name=""/>
-        <p:cNvGrpSpPr/>
-        <p:nvPr/>
-      </p:nvGrpSpPr>
-      <p:grpSpPr>
-        <a:xfrm>
-          <a:off x="0" y="0"/>
-          <a:ext cx="0" cy="0"/>
-          <a:chOff x="0" y="0"/>
-          <a:chExt cx="0" cy="0"/>
-        </a:xfrm>
-      </p:grpSpPr>
-      <p:sp>
-        <p:nvSpPr>
-          <p:cNvPr id="2" name="Title 1">
-            <a:extLst>
-              <a:ext uri="{FF2B5EF4-FFF2-40B4-BE49-F238E27FC236}">
-                <a16:creationId xmlns:a16="http://schemas.microsoft.com/office/drawing/2014/main" id="{AFC4F8B7-DF69-4161-80D5-5D65C38F8A33}"/>
-              </a:ext>
-            </a:extLst>
-          </p:cNvPr>
-          <p:cNvSpPr>
-            <a:spLocks noGrp="1"/>
-          </p:cNvSpPr>
-          <p:nvPr>
-            <p:ph type="title"/>
-          </p:nvPr>
-        </p:nvSpPr>
-        <p:spPr>
-          <a:xfrm>
-            <a:off x="381000" y="64500"/>
-            <a:ext cx="10515600" cy="1325563"/>
-          </a:xfrm>
-        </p:spPr>
-        <p:txBody>
-          <a:bodyPr/>
-          <a:lstStyle/>
-          <a:p>
-            <a:r>
-              <a:rPr lang="en-CA" dirty="0"/>
-              <a:t>Haskell Probably </a:t>
-            </a:r>
-            <a:r>
-              <a:rPr lang="en-CA" b="1" dirty="0">
-                <a:solidFill>
-                  <a:srgbClr val="FF0000"/>
-                </a:solidFill>
-              </a:rPr>
-              <a:t>Can’t</a:t>
-            </a:r>
-            <a:r>
-              <a:rPr lang="en-CA" dirty="0"/>
-              <a:t> Get You a Job!</a:t>
-            </a:r>
-            <a:endParaRPr lang="en-AU" dirty="0"/>
-          </a:p>
-        </p:txBody>
-      </p:sp>
-      <p:sp>
-        <p:nvSpPr>
-          <p:cNvPr id="3" name="TextBox 2">
-            <a:extLst>
-              <a:ext uri="{FF2B5EF4-FFF2-40B4-BE49-F238E27FC236}">
-                <a16:creationId xmlns:a16="http://schemas.microsoft.com/office/drawing/2014/main" id="{10C4AE68-A781-FD56-1D00-6B3AE095A7EF}"/>
-              </a:ext>
-            </a:extLst>
-          </p:cNvPr>
-          <p:cNvSpPr txBox="1"/>
-          <p:nvPr/>
-        </p:nvSpPr>
-        <p:spPr>
-          <a:xfrm>
-            <a:off x="1211899" y="1635448"/>
-            <a:ext cx="6288042" cy="1815882"/>
-          </a:xfrm>
-          <a:prstGeom prst="rect">
-            <a:avLst/>
-          </a:prstGeom>
-          <a:noFill/>
-        </p:spPr>
-        <p:txBody>
-          <a:bodyPr wrap="square" rtlCol="0">
-            <a:spAutoFit/>
-          </a:bodyPr>
-          <a:lstStyle/>
-          <a:p>
-            <a:pPr algn="ctr"/>
-            <a:r>
-              <a:rPr lang="en-CA" sz="2800" dirty="0"/>
-              <a:t>Haskell has been most influential as a </a:t>
-            </a:r>
-            <a:r>
-              <a:rPr lang="en-CA" sz="2800" b="1" dirty="0"/>
-              <a:t>research language </a:t>
-            </a:r>
-            <a:r>
-              <a:rPr lang="en-CA" sz="2800" dirty="0"/>
-              <a:t>used by a subset of academic programming language researchers.</a:t>
-            </a:r>
-            <a:endParaRPr lang="en-AU" sz="2800" dirty="0"/>
-          </a:p>
-        </p:txBody>
-      </p:sp>
-      <p:sp>
-        <p:nvSpPr>
-          <p:cNvPr id="9" name="TextBox 8">
-            <a:extLst>
-              <a:ext uri="{FF2B5EF4-FFF2-40B4-BE49-F238E27FC236}">
-                <a16:creationId xmlns:a16="http://schemas.microsoft.com/office/drawing/2014/main" id="{47FE2D5E-13CF-4FA0-04A0-66A64587C63B}"/>
-              </a:ext>
-            </a:extLst>
-          </p:cNvPr>
-          <p:cNvSpPr txBox="1"/>
-          <p:nvPr/>
-        </p:nvSpPr>
-        <p:spPr>
-          <a:xfrm>
-            <a:off x="1084102" y="4176590"/>
-            <a:ext cx="6288042" cy="1384995"/>
-          </a:xfrm>
-          <a:prstGeom prst="rect">
-            <a:avLst/>
-          </a:prstGeom>
-          <a:noFill/>
-        </p:spPr>
-        <p:txBody>
-          <a:bodyPr wrap="square" rtlCol="0">
-            <a:spAutoFit/>
-          </a:bodyPr>
-          <a:lstStyle/>
-          <a:p>
-            <a:pPr algn="ctr"/>
-            <a:r>
-              <a:rPr lang="en-CA" sz="2800" dirty="0"/>
-              <a:t>Similar to LISP, Haskell is filled with lots of ideas that have influenced many other languages.</a:t>
-            </a:r>
-            <a:endParaRPr lang="en-AU" sz="2800" dirty="0"/>
-          </a:p>
-        </p:txBody>
-      </p:sp>
-    </p:spTree>
-    <p:extLst>
-      <p:ext uri="{BB962C8B-B14F-4D97-AF65-F5344CB8AC3E}">
-        <p14:creationId xmlns:p14="http://schemas.microsoft.com/office/powerpoint/2010/main" val="1855501012"/>
-      </p:ext>
-    </p:extLst>
-  </p:cSld>
-  <p:clrMapOvr>
-    <a:masterClrMapping/>
-  </p:clrMapOvr>
-</p:sld>
-</file>
-
 <file path=ppt/slides/slide14.xml><?xml version="1.0" encoding="utf-8"?>
 <p:sld xmlns:a="http://schemas.openxmlformats.org/drawingml/2006/main" xmlns:r="http://schemas.openxmlformats.org/officeDocument/2006/relationships" xmlns:p="http://schemas.openxmlformats.org/presentationml/2006/main">
   <p:cSld>
@@ -9286,30 +10299,29 @@
         </p:nvSpPr>
         <p:spPr>
           <a:xfrm>
-            <a:off x="2316125" y="78200"/>
-            <a:ext cx="7559750" cy="1325563"/>
+            <a:off x="381000" y="64500"/>
+            <a:ext cx="10515600" cy="1325563"/>
           </a:xfrm>
         </p:spPr>
         <p:txBody>
           <a:bodyPr/>
           <a:lstStyle/>
           <a:p>
-            <a:pPr algn="ctr"/>
             <a:r>
               <a:rPr lang="en-CA" dirty="0"/>
-              <a:t>What’s Haskell </a:t>
-            </a:r>
-            <a:r>
-              <a:rPr lang="en-CA" dirty="0">
+              <a:t>Haskell Probably </a:t>
+            </a:r>
+            <a:r>
+              <a:rPr lang="en-CA" b="1" dirty="0">
                 <a:solidFill>
                   <a:srgbClr val="FF0000"/>
                 </a:solidFill>
               </a:rPr>
-              <a:t>Good</a:t>
+              <a:t>Can’t</a:t>
             </a:r>
             <a:r>
               <a:rPr lang="en-CA" dirty="0"/>
-              <a:t> for?</a:t>
+              <a:t> Get You a Job!</a:t>
             </a:r>
             <a:endParaRPr lang="en-AU" dirty="0"/>
           </a:p>
@@ -9320,7 +10332,7 @@
           <p:cNvPr id="3" name="TextBox 2">
             <a:extLst>
               <a:ext uri="{FF2B5EF4-FFF2-40B4-BE49-F238E27FC236}">
-                <a16:creationId xmlns:a16="http://schemas.microsoft.com/office/drawing/2014/main" id="{E8A268BC-88E6-45E5-8262-598A2B9A5D02}"/>
+                <a16:creationId xmlns:a16="http://schemas.microsoft.com/office/drawing/2014/main" id="{10C4AE68-A781-FD56-1D00-6B3AE095A7EF}"/>
               </a:ext>
             </a:extLst>
           </p:cNvPr>
@@ -9329,8 +10341,8 @@
         </p:nvSpPr>
         <p:spPr>
           <a:xfrm>
-            <a:off x="3512669" y="3106332"/>
-            <a:ext cx="4800076" cy="954107"/>
+            <a:off x="2508343" y="1867180"/>
+            <a:ext cx="6288042" cy="1815882"/>
           </a:xfrm>
           <a:prstGeom prst="rect">
             <a:avLst/>
@@ -9346,7 +10358,15 @@
             <a:pPr algn="ctr"/>
             <a:r>
               <a:rPr lang="en-CA" sz="2800" dirty="0"/>
-              <a:t>Inspiration and new ways of thinking about programming.</a:t>
+              <a:t>Haskell has been most influential as a </a:t>
+            </a:r>
+            <a:r>
+              <a:rPr lang="en-CA" sz="2800" b="1" dirty="0"/>
+              <a:t>research language </a:t>
+            </a:r>
+            <a:r>
+              <a:rPr lang="en-CA" sz="2800" dirty="0"/>
+              <a:t>used by a subset of academic programming language researchers.</a:t>
             </a:r>
             <a:endParaRPr lang="en-AU" sz="2800" dirty="0"/>
           </a:p>
@@ -9354,10 +10374,10 @@
       </p:sp>
       <p:sp>
         <p:nvSpPr>
-          <p:cNvPr id="27" name="TextBox 26">
+          <p:cNvPr id="9" name="TextBox 8">
             <a:extLst>
               <a:ext uri="{FF2B5EF4-FFF2-40B4-BE49-F238E27FC236}">
-                <a16:creationId xmlns:a16="http://schemas.microsoft.com/office/drawing/2014/main" id="{689FDA23-C4D9-4490-9037-82BD6C7F4654}"/>
+                <a16:creationId xmlns:a16="http://schemas.microsoft.com/office/drawing/2014/main" id="{47FE2D5E-13CF-4FA0-04A0-66A64587C63B}"/>
               </a:ext>
             </a:extLst>
           </p:cNvPr>
@@ -9366,8 +10386,8 @@
         </p:nvSpPr>
         <p:spPr>
           <a:xfrm>
-            <a:off x="7384356" y="4500183"/>
-            <a:ext cx="4695695" cy="1815882"/>
+            <a:off x="2380546" y="4408322"/>
+            <a:ext cx="6288042" cy="1384995"/>
           </a:xfrm>
           <a:prstGeom prst="rect">
             <a:avLst/>
@@ -9383,43 +10403,7 @@
             <a:pPr algn="ctr"/>
             <a:r>
               <a:rPr lang="en-CA" sz="2800" dirty="0"/>
-              <a:t>Further development of the functional programming paradigm, aiming towards practicality.</a:t>
-            </a:r>
-          </a:p>
-        </p:txBody>
-      </p:sp>
-      <p:sp>
-        <p:nvSpPr>
-          <p:cNvPr id="6" name="TextBox 5">
-            <a:extLst>
-              <a:ext uri="{FF2B5EF4-FFF2-40B4-BE49-F238E27FC236}">
-                <a16:creationId xmlns:a16="http://schemas.microsoft.com/office/drawing/2014/main" id="{F20849FE-CF35-3A97-ED65-D50740D29574}"/>
-              </a:ext>
-            </a:extLst>
-          </p:cNvPr>
-          <p:cNvSpPr txBox="1"/>
-          <p:nvPr/>
-        </p:nvSpPr>
-        <p:spPr>
-          <a:xfrm>
-            <a:off x="293157" y="1520812"/>
-            <a:ext cx="3725592" cy="954107"/>
-          </a:xfrm>
-          <a:prstGeom prst="rect">
-            <a:avLst/>
-          </a:prstGeom>
-          <a:noFill/>
-        </p:spPr>
-        <p:txBody>
-          <a:bodyPr wrap="square" rtlCol="0">
-            <a:spAutoFit/>
-          </a:bodyPr>
-          <a:lstStyle/>
-          <a:p>
-            <a:pPr algn="ctr"/>
-            <a:r>
-              <a:rPr lang="en-CA" sz="2800" dirty="0"/>
-              <a:t>Programming language type systems.</a:t>
+              <a:t>Similar to LISP, Haskell is filled with lots of ideas that have influenced many other languages.</a:t>
             </a:r>
             <a:endParaRPr lang="en-AU" sz="2800" dirty="0"/>
           </a:p>
@@ -9428,7 +10412,7 @@
     </p:spTree>
     <p:extLst>
       <p:ext uri="{BB962C8B-B14F-4D97-AF65-F5344CB8AC3E}">
-        <p14:creationId xmlns:p14="http://schemas.microsoft.com/office/powerpoint/2010/main" val="251576758"/>
+        <p14:creationId xmlns:p14="http://schemas.microsoft.com/office/powerpoint/2010/main" val="1855501012"/>
       </p:ext>
     </p:extLst>
   </p:cSld>
@@ -9460,7 +10444,7 @@
           <p:cNvPr id="2" name="Title 1">
             <a:extLst>
               <a:ext uri="{FF2B5EF4-FFF2-40B4-BE49-F238E27FC236}">
-                <a16:creationId xmlns:a16="http://schemas.microsoft.com/office/drawing/2014/main" id="{3AB70837-CC6E-409E-828B-6F152569432E}"/>
+                <a16:creationId xmlns:a16="http://schemas.microsoft.com/office/drawing/2014/main" id="{AFC4F8B7-DF69-4161-80D5-5D65C38F8A33}"/>
               </a:ext>
             </a:extLst>
           </p:cNvPr>
@@ -9471,13 +10455,17 @@
             <p:ph type="title"/>
           </p:nvPr>
         </p:nvSpPr>
-        <p:spPr/>
+        <p:spPr>
+          <a:xfrm>
+            <a:off x="2316125" y="78200"/>
+            <a:ext cx="7559750" cy="1325563"/>
+          </a:xfrm>
+        </p:spPr>
         <p:txBody>
-          <a:bodyPr>
-            <a:normAutofit/>
-          </a:bodyPr>
+          <a:bodyPr/>
           <a:lstStyle/>
           <a:p>
+            <a:pPr algn="ctr"/>
             <a:r>
               <a:rPr lang="en-CA" dirty="0"/>
               <a:t>What’s Haskell </a:t>
@@ -9488,11 +10476,11 @@
                   <a:srgbClr val="FF0000"/>
                 </a:solidFill>
               </a:rPr>
-              <a:t>Not</a:t>
+              <a:t>Good</a:t>
             </a:r>
             <a:r>
               <a:rPr lang="en-CA" dirty="0"/>
-              <a:t> so Good For? </a:t>
+              <a:t> for?</a:t>
             </a:r>
             <a:endParaRPr lang="en-AU" dirty="0"/>
           </a:p>
@@ -9500,112 +10488,10 @@
       </p:sp>
       <p:sp>
         <p:nvSpPr>
-          <p:cNvPr id="3" name="Content Placeholder 2">
+          <p:cNvPr id="3" name="TextBox 2">
             <a:extLst>
               <a:ext uri="{FF2B5EF4-FFF2-40B4-BE49-F238E27FC236}">
-                <a16:creationId xmlns:a16="http://schemas.microsoft.com/office/drawing/2014/main" id="{9D85EADE-0C03-49DA-BB59-0942833F47FA}"/>
-              </a:ext>
-            </a:extLst>
-          </p:cNvPr>
-          <p:cNvSpPr>
-            <a:spLocks noGrp="1"/>
-          </p:cNvSpPr>
-          <p:nvPr>
-            <p:ph idx="1"/>
-          </p:nvPr>
-        </p:nvSpPr>
-        <p:spPr>
-          <a:xfrm>
-            <a:off x="838200" y="1555262"/>
-            <a:ext cx="7285264" cy="4621701"/>
-          </a:xfrm>
-        </p:spPr>
-        <p:txBody>
-          <a:bodyPr>
-            <a:normAutofit fontScale="85000" lnSpcReduction="20000"/>
-          </a:bodyPr>
-          <a:lstStyle/>
-          <a:p>
-            <a:r>
-              <a:rPr lang="en-CA" dirty="0"/>
-              <a:t>Haskell</a:t>
-            </a:r>
-            <a:r>
-              <a:rPr lang="en-AU" dirty="0"/>
-              <a:t> is generally </a:t>
-            </a:r>
-            <a:r>
-              <a:rPr lang="en-AU" dirty="0">
-                <a:solidFill>
-                  <a:srgbClr val="FF0000"/>
-                </a:solidFill>
-              </a:rPr>
-              <a:t>not</a:t>
-            </a:r>
-            <a:r>
-              <a:rPr lang="en-AU" dirty="0"/>
-              <a:t> as efficient as other languages.</a:t>
-            </a:r>
-          </a:p>
-          <a:p>
-            <a:pPr lvl="1"/>
-            <a:r>
-              <a:rPr lang="en-AU" dirty="0"/>
-              <a:t>Immutability can lead to inefficient solutions to problems that can be easily implemented efficiently in other languages.</a:t>
-            </a:r>
-          </a:p>
-          <a:p>
-            <a:r>
-              <a:rPr lang="en-AU" dirty="0"/>
-              <a:t>Compared to the most popular mainstream languages, Haskell is </a:t>
-            </a:r>
-            <a:r>
-              <a:rPr lang="en-AU" dirty="0">
-                <a:solidFill>
-                  <a:srgbClr val="FF0000"/>
-                </a:solidFill>
-              </a:rPr>
-              <a:t>not</a:t>
-            </a:r>
-            <a:r>
-              <a:rPr lang="en-AU" dirty="0"/>
-              <a:t> used much in practice, so it can be hard to find support for it.</a:t>
-            </a:r>
-          </a:p>
-          <a:p>
-            <a:r>
-              <a:rPr lang="en-AU" dirty="0"/>
-              <a:t>Haskell’s was born in academia and has a very mathematical </a:t>
-            </a:r>
-            <a:r>
-              <a:rPr lang="en-AU" dirty="0" err="1"/>
-              <a:t>flavor</a:t>
-            </a:r>
-            <a:r>
-              <a:rPr lang="en-AU" dirty="0"/>
-              <a:t>, which many programmers dislike, or at least find quite different than C-style languages.</a:t>
-            </a:r>
-          </a:p>
-          <a:p>
-            <a:r>
-              <a:rPr lang="en-AU" dirty="0"/>
-              <a:t>Haskell syntax can be terse, and uses many operators in ways that require you, the programmer, to have memorized their precedence levels. This  can make some Haskell code quite difficult to understand.</a:t>
-            </a:r>
-          </a:p>
-          <a:p>
-            <a:r>
-              <a:rPr lang="en-AU" dirty="0"/>
-              <a:t>Haskell’s strict typing can take some getting used to, and may be frustrating at first.</a:t>
-            </a:r>
-          </a:p>
-        </p:txBody>
-      </p:sp>
-      <p:sp>
-        <p:nvSpPr>
-          <p:cNvPr id="4" name="TextBox 3">
-            <a:extLst>
-              <a:ext uri="{FF2B5EF4-FFF2-40B4-BE49-F238E27FC236}">
-                <a16:creationId xmlns:a16="http://schemas.microsoft.com/office/drawing/2014/main" id="{BE3E16A3-1414-47FA-A3BB-3ABF0D84A1FE}"/>
+                <a16:creationId xmlns:a16="http://schemas.microsoft.com/office/drawing/2014/main" id="{E8A268BC-88E6-45E5-8262-598A2B9A5D02}"/>
               </a:ext>
             </a:extLst>
           </p:cNvPr>
@@ -9614,18 +10500,13 @@
         </p:nvSpPr>
         <p:spPr>
           <a:xfrm>
-            <a:off x="8496299" y="1443581"/>
-            <a:ext cx="2857501" cy="1754326"/>
+            <a:off x="3512669" y="3106332"/>
+            <a:ext cx="4800076" cy="954107"/>
           </a:xfrm>
           <a:prstGeom prst="rect">
             <a:avLst/>
           </a:prstGeom>
-          <a:solidFill>
-            <a:schemeClr val="accent4">
-              <a:lumMod val="40000"/>
-              <a:lumOff val="60000"/>
-            </a:schemeClr>
-          </a:solidFill>
+          <a:noFill/>
         </p:spPr>
         <p:txBody>
           <a:bodyPr wrap="square" rtlCol="0">
@@ -9635,27 +10516,90 @@
           <a:p>
             <a:pPr algn="ctr"/>
             <a:r>
-              <a:rPr lang="en-CA" dirty="0"/>
-              <a:t>Measuring the performance of different programming languages is surprisingly difficult to do fairly. Check out </a:t>
-            </a:r>
-            <a:r>
-              <a:rPr lang="en-US" dirty="0">
-                <a:hlinkClick r:id="rId2"/>
-              </a:rPr>
-              <a:t>the Computer Language Benchmarks Game</a:t>
-            </a:r>
-            <a:r>
-              <a:rPr lang="en-US" dirty="0"/>
-              <a:t>.</a:t>
-            </a:r>
-            <a:endParaRPr lang="en-AU" dirty="0"/>
+              <a:rPr lang="en-CA" sz="2800" dirty="0"/>
+              <a:t>Inspiration and new ways of thinking about programming.</a:t>
+            </a:r>
+            <a:endParaRPr lang="en-AU" sz="2800" dirty="0"/>
+          </a:p>
+        </p:txBody>
+      </p:sp>
+      <p:sp>
+        <p:nvSpPr>
+          <p:cNvPr id="27" name="TextBox 26">
+            <a:extLst>
+              <a:ext uri="{FF2B5EF4-FFF2-40B4-BE49-F238E27FC236}">
+                <a16:creationId xmlns:a16="http://schemas.microsoft.com/office/drawing/2014/main" id="{689FDA23-C4D9-4490-9037-82BD6C7F4654}"/>
+              </a:ext>
+            </a:extLst>
+          </p:cNvPr>
+          <p:cNvSpPr txBox="1"/>
+          <p:nvPr/>
+        </p:nvSpPr>
+        <p:spPr>
+          <a:xfrm>
+            <a:off x="7384356" y="4500183"/>
+            <a:ext cx="4695695" cy="1815882"/>
+          </a:xfrm>
+          <a:prstGeom prst="rect">
+            <a:avLst/>
+          </a:prstGeom>
+          <a:noFill/>
+        </p:spPr>
+        <p:txBody>
+          <a:bodyPr wrap="square" rtlCol="0">
+            <a:spAutoFit/>
+          </a:bodyPr>
+          <a:lstStyle/>
+          <a:p>
+            <a:pPr algn="ctr"/>
+            <a:r>
+              <a:rPr lang="en-CA" sz="2800" dirty="0"/>
+              <a:t>Further development of the functional programming paradigm, aiming towards practicality.</a:t>
+            </a:r>
+          </a:p>
+        </p:txBody>
+      </p:sp>
+      <p:sp>
+        <p:nvSpPr>
+          <p:cNvPr id="6" name="TextBox 5">
+            <a:extLst>
+              <a:ext uri="{FF2B5EF4-FFF2-40B4-BE49-F238E27FC236}">
+                <a16:creationId xmlns:a16="http://schemas.microsoft.com/office/drawing/2014/main" id="{F20849FE-CF35-3A97-ED65-D50740D29574}"/>
+              </a:ext>
+            </a:extLst>
+          </p:cNvPr>
+          <p:cNvSpPr txBox="1"/>
+          <p:nvPr/>
+        </p:nvSpPr>
+        <p:spPr>
+          <a:xfrm>
+            <a:off x="293157" y="1520812"/>
+            <a:ext cx="3725592" cy="954107"/>
+          </a:xfrm>
+          <a:prstGeom prst="rect">
+            <a:avLst/>
+          </a:prstGeom>
+          <a:noFill/>
+        </p:spPr>
+        <p:txBody>
+          <a:bodyPr wrap="square" rtlCol="0">
+            <a:spAutoFit/>
+          </a:bodyPr>
+          <a:lstStyle/>
+          <a:p>
+            <a:pPr algn="ctr"/>
+            <a:r>
+              <a:rPr lang="en-CA" sz="2800" dirty="0"/>
+              <a:t>Programming language type systems.</a:t>
+            </a:r>
+            <a:endParaRPr lang="en-AU" sz="2800" dirty="0"/>
           </a:p>
         </p:txBody>
       </p:sp>
     </p:spTree>
     <p:extLst>
       <p:ext uri="{BB962C8B-B14F-4D97-AF65-F5344CB8AC3E}">
-        <p14:creationId xmlns:p14="http://schemas.microsoft.com/office/powerpoint/2010/main" val="2072605454"/>
+        <p14:creationId xmlns:p14="http://schemas.microsoft.com/office/powerpoint/2010/main" val="251576758"/>
       </p:ext>
     </p:extLst>
   </p:cSld>
@@ -9687,7 +10631,7 @@
           <p:cNvPr id="2" name="Title 1">
             <a:extLst>
               <a:ext uri="{FF2B5EF4-FFF2-40B4-BE49-F238E27FC236}">
-                <a16:creationId xmlns:a16="http://schemas.microsoft.com/office/drawing/2014/main" id="{E453DFDB-8487-48AA-A582-0CEA13856DA2}"/>
+                <a16:creationId xmlns:a16="http://schemas.microsoft.com/office/drawing/2014/main" id="{3AB70837-CC6E-409E-828B-6F152569432E}"/>
               </a:ext>
             </a:extLst>
           </p:cNvPr>
@@ -9700,12 +10644,26 @@
         </p:nvSpPr>
         <p:spPr/>
         <p:txBody>
-          <a:bodyPr/>
+          <a:bodyPr>
+            <a:normAutofit/>
+          </a:bodyPr>
           <a:lstStyle/>
           <a:p>
             <a:r>
               <a:rPr lang="en-CA" dirty="0"/>
-              <a:t>Major Features of Haskell</a:t>
+              <a:t>What’s Haskell </a:t>
+            </a:r>
+            <a:r>
+              <a:rPr lang="en-CA" dirty="0">
+                <a:solidFill>
+                  <a:srgbClr val="FF0000"/>
+                </a:solidFill>
+              </a:rPr>
+              <a:t>Not</a:t>
+            </a:r>
+            <a:r>
+              <a:rPr lang="en-CA" dirty="0"/>
+              <a:t> so Good For? </a:t>
             </a:r>
             <a:endParaRPr lang="en-AU" dirty="0"/>
           </a:p>
@@ -9716,7 +10674,7 @@
           <p:cNvPr id="3" name="Content Placeholder 2">
             <a:extLst>
               <a:ext uri="{FF2B5EF4-FFF2-40B4-BE49-F238E27FC236}">
-                <a16:creationId xmlns:a16="http://schemas.microsoft.com/office/drawing/2014/main" id="{E45AFAE3-7D9D-4DB0-A01B-CD046F1E7D5F}"/>
+                <a16:creationId xmlns:a16="http://schemas.microsoft.com/office/drawing/2014/main" id="{9D85EADE-0C03-49DA-BB59-0942833F47FA}"/>
               </a:ext>
             </a:extLst>
           </p:cNvPr>
@@ -9727,82 +10685,152 @@
             <p:ph idx="1"/>
           </p:nvPr>
         </p:nvSpPr>
-        <p:spPr/>
+        <p:spPr>
+          <a:xfrm>
+            <a:off x="838200" y="1555262"/>
+            <a:ext cx="7285264" cy="4621701"/>
+          </a:xfrm>
+        </p:spPr>
         <p:txBody>
           <a:bodyPr>
-            <a:normAutofit/>
+            <a:normAutofit fontScale="92500" lnSpcReduction="20000"/>
           </a:bodyPr>
           <a:lstStyle/>
           <a:p>
-            <a:pPr marL="0" indent="0">
-              <a:buNone/>
-            </a:pPr>
+            <a:r>
+              <a:rPr lang="en-CA" dirty="0"/>
+              <a:t>Haskell</a:t>
+            </a:r>
+            <a:r>
+              <a:rPr lang="en-AU" dirty="0"/>
+              <a:t> is often </a:t>
+            </a:r>
             <a:r>
               <a:rPr lang="en-AU" dirty="0">
                 <a:solidFill>
-                  <a:srgbClr val="0070C0"/>
+                  <a:srgbClr val="FF0000"/>
                 </a:solidFill>
               </a:rPr>
-              <a:t>Functions are first-class objects</a:t>
-            </a:r>
-          </a:p>
-          <a:p>
-            <a:pPr marL="457200" lvl="1" indent="0">
-              <a:buNone/>
-            </a:pPr>
-            <a:r>
-              <a:rPr lang="en-CA" dirty="0"/>
-              <a:t>Functions can be passed and returned (closures)</a:t>
-            </a:r>
-          </a:p>
-          <a:p>
-            <a:pPr marL="0" indent="0">
-              <a:buNone/>
-            </a:pPr>
-            <a:r>
-              <a:rPr lang="en-CA" dirty="0">
+              <a:t>not</a:t>
+            </a:r>
+            <a:r>
+              <a:rPr lang="en-AU" dirty="0"/>
+              <a:t> as efficient as other languages.</a:t>
+            </a:r>
+          </a:p>
+          <a:p>
+            <a:pPr lvl="1"/>
+            <a:r>
+              <a:rPr lang="en-AU" dirty="0"/>
+              <a:t>Immutability can lead to inefficient solutions to problems that can be easily implemented efficiently in other languages.</a:t>
+            </a:r>
+          </a:p>
+          <a:p>
+            <a:r>
+              <a:rPr lang="en-AU" dirty="0"/>
+              <a:t>Compared to the most popular mainstream languages, Haskell is </a:t>
+            </a:r>
+            <a:r>
+              <a:rPr lang="en-AU" dirty="0">
                 <a:solidFill>
-                  <a:srgbClr val="0070C0"/>
+                  <a:srgbClr val="FF0000"/>
                 </a:solidFill>
               </a:rPr>
-              <a:t>Interpreted</a:t>
-            </a:r>
-          </a:p>
-          <a:p>
-            <a:pPr marL="457200" lvl="1" indent="0">
-              <a:buNone/>
-            </a:pPr>
+              <a:t>not</a:t>
+            </a:r>
             <a:r>
               <a:rPr lang="en-AU" dirty="0"/>
-              <a:t>Easy to evaluate individual expressions</a:t>
-            </a:r>
-          </a:p>
-          <a:p>
-            <a:pPr marL="0" indent="0">
-              <a:buNone/>
-            </a:pPr>
+              <a:t> used much in practice, so it can be hard to find support for it.</a:t>
+            </a:r>
+          </a:p>
+          <a:p>
+            <a:r>
+              <a:rPr lang="en-AU" dirty="0"/>
+              <a:t>Haskell’s was born in academia and has </a:t>
+            </a:r>
             <a:r>
               <a:rPr lang="en-AU" dirty="0">
                 <a:solidFill>
-                  <a:srgbClr val="0070C0"/>
+                  <a:srgbClr val="FF0000"/>
                 </a:solidFill>
               </a:rPr>
-              <a:t>Memory-safe and garbage-collected</a:t>
-            </a:r>
-          </a:p>
-          <a:p>
-            <a:pPr marL="457200" lvl="1" indent="0">
-              <a:buNone/>
-            </a:pPr>
+              <a:t>a very mathematical</a:t>
+            </a:r>
             <a:r>
               <a:rPr lang="en-AU" dirty="0"/>
-              <a:t>No manual memory deletion</a:t>
-            </a:r>
-          </a:p>
-          <a:p>
-            <a:pPr marL="457200" lvl="1" indent="0">
-              <a:buNone/>
-            </a:pPr>
+              <a:t> </a:t>
+            </a:r>
+            <a:r>
+              <a:rPr lang="en-AU" dirty="0" err="1"/>
+              <a:t>flavor</a:t>
+            </a:r>
+            <a:r>
+              <a:rPr lang="en-AU" dirty="0"/>
+              <a:t>, which many programmers find quite different than C-style languages.</a:t>
+            </a:r>
+          </a:p>
+          <a:p>
+            <a:r>
+              <a:rPr lang="en-AU" dirty="0"/>
+              <a:t>Haskell syntax can be extremely terse, and can use many obscure operators.</a:t>
+            </a:r>
+          </a:p>
+          <a:p>
+            <a:r>
+              <a:rPr lang="en-AU" dirty="0"/>
+              <a:t>Haskell’s strict typing can take some getting used to, and may be frustrating at first.</a:t>
+            </a:r>
+          </a:p>
+        </p:txBody>
+      </p:sp>
+      <p:sp>
+        <p:nvSpPr>
+          <p:cNvPr id="4" name="TextBox 3">
+            <a:extLst>
+              <a:ext uri="{FF2B5EF4-FFF2-40B4-BE49-F238E27FC236}">
+                <a16:creationId xmlns:a16="http://schemas.microsoft.com/office/drawing/2014/main" id="{BE3E16A3-1414-47FA-A3BB-3ABF0D84A1FE}"/>
+              </a:ext>
+            </a:extLst>
+          </p:cNvPr>
+          <p:cNvSpPr txBox="1"/>
+          <p:nvPr/>
+        </p:nvSpPr>
+        <p:spPr>
+          <a:xfrm>
+            <a:off x="8496299" y="1443581"/>
+            <a:ext cx="2857501" cy="1754326"/>
+          </a:xfrm>
+          <a:prstGeom prst="rect">
+            <a:avLst/>
+          </a:prstGeom>
+          <a:solidFill>
+            <a:schemeClr val="accent4">
+              <a:lumMod val="40000"/>
+              <a:lumOff val="60000"/>
+            </a:schemeClr>
+          </a:solidFill>
+        </p:spPr>
+        <p:txBody>
+          <a:bodyPr wrap="square" rtlCol="0">
+            <a:spAutoFit/>
+          </a:bodyPr>
+          <a:lstStyle/>
+          <a:p>
+            <a:pPr algn="ctr"/>
+            <a:r>
+              <a:rPr lang="en-CA" dirty="0"/>
+              <a:t>Measuring the performance of different programming languages is surprisingly difficult to do fairly. Check out </a:t>
+            </a:r>
+            <a:r>
+              <a:rPr lang="en-US" dirty="0">
+                <a:hlinkClick r:id="rId2"/>
+              </a:rPr>
+              <a:t>the Computer Language Benchmarks Game</a:t>
+            </a:r>
+            <a:r>
+              <a:rPr lang="en-US" dirty="0"/>
+              <a:t>.</a:t>
+            </a:r>
             <a:endParaRPr lang="en-AU" dirty="0"/>
           </a:p>
         </p:txBody>
@@ -9810,7 +10838,7 @@
     </p:spTree>
     <p:extLst>
       <p:ext uri="{BB962C8B-B14F-4D97-AF65-F5344CB8AC3E}">
-        <p14:creationId xmlns:p14="http://schemas.microsoft.com/office/powerpoint/2010/main" val="2414411496"/>
+        <p14:creationId xmlns:p14="http://schemas.microsoft.com/office/powerpoint/2010/main" val="2072605454"/>
       </p:ext>
     </p:extLst>
   </p:cSld>
@@ -9860,7 +10888,7 @@
           <a:p>
             <a:r>
               <a:rPr lang="en-CA" dirty="0"/>
-              <a:t>Major Features of Scheme</a:t>
+              <a:t>Major Features of Haskell</a:t>
             </a:r>
             <a:endParaRPr lang="en-AU" dirty="0"/>
           </a:p>
@@ -9893,12 +10921,34 @@
               <a:buNone/>
             </a:pPr>
             <a:r>
+              <a:rPr lang="en-AU" dirty="0">
+                <a:solidFill>
+                  <a:srgbClr val="0070C0"/>
+                </a:solidFill>
+              </a:rPr>
+              <a:t>Functions are first-class objects</a:t>
+            </a:r>
+          </a:p>
+          <a:p>
+            <a:pPr marL="457200" lvl="1" indent="0">
+              <a:buNone/>
+            </a:pPr>
+            <a:r>
+              <a:rPr lang="en-CA" dirty="0"/>
+              <a:t>Functions can be passed and returned (closures)</a:t>
+            </a:r>
+          </a:p>
+          <a:p>
+            <a:pPr marL="0" indent="0">
+              <a:buNone/>
+            </a:pPr>
+            <a:r>
               <a:rPr lang="en-CA" dirty="0">
                 <a:solidFill>
                   <a:srgbClr val="0070C0"/>
                 </a:solidFill>
               </a:rPr>
-              <a:t>Types</a:t>
+              <a:t>Interpreted and Compiled</a:t>
             </a:r>
           </a:p>
           <a:p>
@@ -9906,33 +10956,8 @@
               <a:buNone/>
             </a:pPr>
             <a:r>
-              <a:rPr lang="en-CA" b="1" dirty="0"/>
-              <a:t>Statically typed</a:t>
-            </a:r>
-            <a:r>
-              <a:rPr lang="en-CA" dirty="0"/>
-              <a:t>, i.e. types checked </a:t>
-            </a:r>
-            <a:r>
-              <a:rPr lang="en-CA" b="1" dirty="0"/>
-              <a:t>before</a:t>
-            </a:r>
-            <a:r>
-              <a:rPr lang="en-CA" dirty="0"/>
-              <a:t> run-time</a:t>
-            </a:r>
-          </a:p>
-          <a:p>
-            <a:pPr marL="457200" lvl="1" indent="0">
-              <a:buNone/>
-            </a:pPr>
-            <a:r>
-              <a:rPr lang="en-CA" b="1" dirty="0"/>
-              <a:t>Type inference</a:t>
-            </a:r>
-            <a:r>
-              <a:rPr lang="en-CA" dirty="0"/>
-              <a:t>, i.e. often Haskell infer what types must be with the programmer needing to write them explicitly</a:t>
+              <a:rPr lang="en-AU" dirty="0"/>
+              <a:t>Easy to evaluate individual expressions</a:t>
             </a:r>
           </a:p>
           <a:p>
@@ -9940,12 +10965,12 @@
               <a:buNone/>
             </a:pPr>
             <a:r>
-              <a:rPr lang="en-CA" dirty="0">
+              <a:rPr lang="en-AU" dirty="0">
                 <a:solidFill>
                   <a:srgbClr val="0070C0"/>
                 </a:solidFill>
               </a:rPr>
-              <a:t>Purely Functional </a:t>
+              <a:t>Memory-safe and garbage-collected</a:t>
             </a:r>
           </a:p>
           <a:p>
@@ -9953,81 +10978,22 @@
               <a:buNone/>
             </a:pPr>
             <a:r>
-              <a:rPr lang="en-CA" dirty="0"/>
-              <a:t>All values are </a:t>
-            </a:r>
-            <a:r>
-              <a:rPr lang="en-CA" b="1" dirty="0"/>
-              <a:t>immutable</a:t>
-            </a:r>
-            <a:r>
-              <a:rPr lang="en-CA" dirty="0"/>
-              <a:t>: once you create them, they cannot be changed</a:t>
+              <a:rPr lang="en-AU" dirty="0"/>
+              <a:t>No manual memory deletion</a:t>
             </a:r>
           </a:p>
           <a:p>
             <a:pPr marL="457200" lvl="1" indent="0">
               <a:buNone/>
             </a:pPr>
-            <a:r>
-              <a:rPr lang="en-CA" dirty="0"/>
-              <a:t>All functions are pure</a:t>
-            </a:r>
-          </a:p>
-          <a:p>
-            <a:pPr marL="0" indent="0">
-              <a:buNone/>
-            </a:pPr>
-            <a:r>
-              <a:rPr lang="en-CA" dirty="0">
-                <a:solidFill>
-                  <a:srgbClr val="0070C0"/>
-                </a:solidFill>
-              </a:rPr>
-              <a:t>Lazy Evaluation</a:t>
-            </a:r>
-          </a:p>
-          <a:p>
-            <a:pPr marL="457200" lvl="1" indent="0">
-              <a:buNone/>
-            </a:pPr>
-            <a:r>
-              <a:rPr lang="en-CA" dirty="0"/>
-              <a:t>When you pass an expression to a Haskell function, the expression is passed </a:t>
-            </a:r>
-            <a:r>
-              <a:rPr lang="en-CA" b="1" dirty="0"/>
-              <a:t>unevaluated</a:t>
-            </a:r>
-            <a:r>
-              <a:rPr lang="en-CA" dirty="0"/>
-              <a:t> to the function</a:t>
-            </a:r>
-          </a:p>
-          <a:p>
-            <a:pPr marL="0" indent="0">
-              <a:buNone/>
-            </a:pPr>
-            <a:endParaRPr lang="en-CA" dirty="0"/>
-          </a:p>
-          <a:p>
-            <a:pPr marL="457200" lvl="1" indent="0">
-              <a:buNone/>
-            </a:pPr>
-            <a:endParaRPr lang="en-CA" dirty="0"/>
-          </a:p>
-          <a:p>
-            <a:pPr marL="457200" lvl="1" indent="0">
-              <a:buNone/>
-            </a:pPr>
-            <a:endParaRPr lang="en-CA" dirty="0"/>
+            <a:endParaRPr lang="en-AU" dirty="0"/>
           </a:p>
         </p:txBody>
       </p:sp>
     </p:spTree>
     <p:extLst>
       <p:ext uri="{BB962C8B-B14F-4D97-AF65-F5344CB8AC3E}">
-        <p14:creationId xmlns:p14="http://schemas.microsoft.com/office/powerpoint/2010/main" val="247949623"/>
+        <p14:creationId xmlns:p14="http://schemas.microsoft.com/office/powerpoint/2010/main" val="2414411496"/>
       </p:ext>
     </p:extLst>
   </p:cSld>
@@ -10077,19 +11043,7 @@
           <a:p>
             <a:r>
               <a:rPr lang="en-CA" dirty="0"/>
-              <a:t>Major Features </a:t>
-            </a:r>
-            <a:r>
-              <a:rPr lang="en-CA" dirty="0">
-                <a:solidFill>
-                  <a:srgbClr val="FF0000"/>
-                </a:solidFill>
-              </a:rPr>
-              <a:t>Not</a:t>
-            </a:r>
-            <a:r>
-              <a:rPr lang="en-CA" dirty="0"/>
-              <a:t> in Scheme</a:t>
+              <a:t>Major Features of Scheme</a:t>
             </a:r>
             <a:endParaRPr lang="en-AU" dirty="0"/>
           </a:p>
@@ -10127,23 +11081,54 @@
                   <a:srgbClr val="0070C0"/>
                 </a:solidFill>
               </a:rPr>
-              <a:t>Features </a:t>
-            </a:r>
-            <a:r>
-              <a:rPr lang="en-CA" b="1" dirty="0">
-                <a:solidFill>
-                  <a:srgbClr val="0070C0"/>
-                </a:solidFill>
-              </a:rPr>
-              <a:t>not</a:t>
-            </a:r>
+              <a:t>Types</a:t>
+            </a:r>
+          </a:p>
+          <a:p>
+            <a:pPr marL="457200" lvl="1" indent="0">
+              <a:buNone/>
+            </a:pPr>
+            <a:r>
+              <a:rPr lang="en-CA" b="1" dirty="0"/>
+              <a:t>Statically typed</a:t>
+            </a:r>
+            <a:r>
+              <a:rPr lang="en-CA" dirty="0"/>
+              <a:t>, i.e. types checked </a:t>
+            </a:r>
+            <a:r>
+              <a:rPr lang="en-CA" b="1" dirty="0"/>
+              <a:t>before</a:t>
+            </a:r>
+            <a:r>
+              <a:rPr lang="en-CA" dirty="0"/>
+              <a:t> run-time</a:t>
+            </a:r>
+          </a:p>
+          <a:p>
+            <a:pPr marL="457200" lvl="1" indent="0">
+              <a:buNone/>
+            </a:pPr>
+            <a:r>
+              <a:rPr lang="en-CA" b="1" dirty="0"/>
+              <a:t>Type inference</a:t>
+            </a:r>
+            <a:r>
+              <a:rPr lang="en-CA" dirty="0"/>
+              <a:t>, i.e. often Haskell infer what types must be with the programmer needing to write them explicitly</a:t>
+            </a:r>
+          </a:p>
+          <a:p>
+            <a:pPr marL="0" indent="0">
+              <a:buNone/>
+            </a:pPr>
             <a:r>
               <a:rPr lang="en-CA" dirty="0">
                 <a:solidFill>
                   <a:srgbClr val="0070C0"/>
                 </a:solidFill>
               </a:rPr>
-              <a:t> part of Scheme</a:t>
+              <a:t>Purely Functional </a:t>
             </a:r>
           </a:p>
           <a:p>
@@ -10151,16 +11136,16 @@
               <a:buNone/>
             </a:pPr>
             <a:r>
-              <a:rPr lang="en-CA" dirty="0">
-                <a:solidFill>
-                  <a:srgbClr val="FF0000"/>
-                </a:solidFill>
-              </a:rPr>
-              <a:t>No</a:t>
-            </a:r>
-            <a:r>
               <a:rPr lang="en-CA" dirty="0"/>
-              <a:t> type declarations</a:t>
+              <a:t>All values are </a:t>
+            </a:r>
+            <a:r>
+              <a:rPr lang="en-CA" b="1" dirty="0"/>
+              <a:t>immutable</a:t>
+            </a:r>
+            <a:r>
+              <a:rPr lang="en-CA" dirty="0"/>
+              <a:t>: once you create them, they cannot be changed</a:t>
             </a:r>
           </a:p>
           <a:p>
@@ -10168,16 +11153,29 @@
               <a:buNone/>
             </a:pPr>
             <a:r>
+              <a:rPr lang="en-CA" dirty="0"/>
+              <a:t>All functions are </a:t>
+            </a:r>
+            <a:r>
+              <a:rPr lang="en-CA" b="1" dirty="0"/>
+              <a:t>pure</a:t>
+            </a:r>
+            <a:r>
+              <a:rPr lang="en-CA" dirty="0"/>
+              <a:t>: no side-effects, output depends only on input</a:t>
+            </a:r>
+          </a:p>
+          <a:p>
+            <a:pPr marL="0" indent="0">
+              <a:buNone/>
+            </a:pPr>
+            <a:r>
               <a:rPr lang="en-CA" dirty="0">
                 <a:solidFill>
-                  <a:srgbClr val="FF0000"/>
+                  <a:srgbClr val="0070C0"/>
                 </a:solidFill>
               </a:rPr>
-              <a:t>No</a:t>
-            </a:r>
-            <a:r>
-              <a:rPr lang="en-CA" dirty="0"/>
-              <a:t> pointers</a:t>
+              <a:t>Lazy Evaluation</a:t>
             </a:r>
           </a:p>
           <a:p>
@@ -10185,17 +11183,29 @@
               <a:buNone/>
             </a:pPr>
             <a:r>
-              <a:rPr lang="en-CA" dirty="0">
-                <a:solidFill>
-                  <a:srgbClr val="FF0000"/>
-                </a:solidFill>
-              </a:rPr>
-              <a:t>No</a:t>
-            </a:r>
-            <a:r>
               <a:rPr lang="en-CA" dirty="0"/>
-              <a:t> built-in notion of object-oriented programming</a:t>
-            </a:r>
+              <a:t>When you pass an expression to a Haskell function, the expression is passed </a:t>
+            </a:r>
+            <a:r>
+              <a:rPr lang="en-CA" b="1" dirty="0"/>
+              <a:t>unevaluated</a:t>
+            </a:r>
+            <a:r>
+              <a:rPr lang="en-CA" dirty="0"/>
+              <a:t> to the function</a:t>
+            </a:r>
+          </a:p>
+          <a:p>
+            <a:pPr marL="0" indent="0">
+              <a:buNone/>
+            </a:pPr>
+            <a:endParaRPr lang="en-CA" dirty="0"/>
+          </a:p>
+          <a:p>
+            <a:pPr marL="457200" lvl="1" indent="0">
+              <a:buNone/>
+            </a:pPr>
+            <a:endParaRPr lang="en-CA" dirty="0"/>
           </a:p>
           <a:p>
             <a:pPr marL="457200" lvl="1" indent="0">
@@ -10208,7 +11218,7 @@
     </p:spTree>
     <p:extLst>
       <p:ext uri="{BB962C8B-B14F-4D97-AF65-F5344CB8AC3E}">
-        <p14:creationId xmlns:p14="http://schemas.microsoft.com/office/powerpoint/2010/main" val="1760816993"/>
+        <p14:creationId xmlns:p14="http://schemas.microsoft.com/office/powerpoint/2010/main" val="247949623"/>
       </p:ext>
     </p:extLst>
   </p:cSld>
@@ -10258,7 +11268,7 @@
           <a:p>
             <a:r>
               <a:rPr lang="en-CA" dirty="0"/>
-              <a:t>Features We </a:t>
+              <a:t>Major Features </a:t>
             </a:r>
             <a:r>
               <a:rPr lang="en-CA" dirty="0">
@@ -10266,11 +11276,11 @@
                   <a:srgbClr val="FF0000"/>
                 </a:solidFill>
               </a:rPr>
-              <a:t>Won’t</a:t>
+              <a:t>Not</a:t>
             </a:r>
             <a:r>
               <a:rPr lang="en-CA" dirty="0"/>
-              <a:t> Be Using</a:t>
+              <a:t> in Haskell</a:t>
             </a:r>
             <a:endParaRPr lang="en-AU" dirty="0"/>
           </a:p>
@@ -10299,16 +11309,49 @@
           </a:bodyPr>
           <a:lstStyle/>
           <a:p>
+            <a:pPr marL="0" indent="0">
+              <a:buNone/>
+            </a:pPr>
+            <a:r>
+              <a:rPr lang="en-CA" dirty="0">
+                <a:solidFill>
+                  <a:srgbClr val="0070C0"/>
+                </a:solidFill>
+              </a:rPr>
+              <a:t>Features </a:t>
+            </a:r>
+            <a:r>
+              <a:rPr lang="en-CA" b="1" dirty="0">
+                <a:solidFill>
+                  <a:srgbClr val="0070C0"/>
+                </a:solidFill>
+              </a:rPr>
+              <a:t>not</a:t>
+            </a:r>
+            <a:r>
+              <a:rPr lang="en-CA" dirty="0">
+                <a:solidFill>
+                  <a:srgbClr val="0070C0"/>
+                </a:solidFill>
+              </a:rPr>
+              <a:t> part of Haskell</a:t>
+            </a:r>
+          </a:p>
+          <a:p>
             <a:pPr marL="457200" lvl="1" indent="0">
               <a:buNone/>
             </a:pPr>
             <a:r>
-              <a:rPr lang="en-CA" sz="4800" dirty="0">
+              <a:rPr lang="en-CA" dirty="0">
                 <a:solidFill>
                   <a:srgbClr val="FF0000"/>
                 </a:solidFill>
               </a:rPr>
-              <a:t>No loops</a:t>
+              <a:t>No</a:t>
+            </a:r>
+            <a:r>
+              <a:rPr lang="en-CA" dirty="0"/>
+              <a:t> pointers</a:t>
             </a:r>
           </a:p>
           <a:p>
@@ -10316,16 +11359,16 @@
               <a:buNone/>
             </a:pPr>
             <a:r>
-              <a:rPr lang="en-CA" sz="4800" dirty="0">
+              <a:rPr lang="en-CA" dirty="0">
                 <a:solidFill>
                   <a:srgbClr val="FF0000"/>
                 </a:solidFill>
               </a:rPr>
-              <a:t>No mutation</a:t>
-            </a:r>
-            <a:r>
-              <a:rPr lang="en-CA" sz="4800" dirty="0"/>
-              <a:t>, e.g. no changing values of variables</a:t>
+              <a:t>No</a:t>
+            </a:r>
+            <a:r>
+              <a:rPr lang="en-CA" dirty="0"/>
+              <a:t> object-oriented programming</a:t>
             </a:r>
           </a:p>
           <a:p>
@@ -10333,48 +11376,30 @@
               <a:buNone/>
             </a:pPr>
             <a:r>
-              <a:rPr lang="en-CA" sz="4800" dirty="0">
+              <a:rPr lang="en-CA" dirty="0">
                 <a:solidFill>
-                  <a:srgbClr val="00B0F0"/>
+                  <a:srgbClr val="FF0000"/>
                 </a:solidFill>
               </a:rPr>
-              <a:t>Instead</a:t>
-            </a:r>
-            <a:r>
-              <a:rPr lang="en-CA" sz="4800" dirty="0"/>
-              <a:t>, we’ll use </a:t>
-            </a:r>
-            <a:r>
-              <a:rPr lang="en-CA" sz="4800" dirty="0">
-                <a:solidFill>
-                  <a:srgbClr val="00B0F0"/>
-                </a:solidFill>
-              </a:rPr>
-              <a:t>functional style</a:t>
-            </a:r>
-            <a:r>
-              <a:rPr lang="en-CA" sz="4800" dirty="0"/>
-              <a:t>, which is what our next language (</a:t>
-            </a:r>
-            <a:r>
-              <a:rPr lang="en-CA" sz="4800" dirty="0">
-                <a:solidFill>
-                  <a:srgbClr val="00B0F0"/>
-                </a:solidFill>
-              </a:rPr>
-              <a:t>Haskell</a:t>
-            </a:r>
-            <a:r>
-              <a:rPr lang="en-CA" sz="4800" dirty="0"/>
-              <a:t>) will force us to use.</a:t>
-            </a:r>
+              <a:t>No</a:t>
+            </a:r>
+            <a:r>
+              <a:rPr lang="en-CA" dirty="0"/>
+              <a:t> exceptions</a:t>
+            </a:r>
+          </a:p>
+          <a:p>
+            <a:pPr marL="457200" lvl="1" indent="0">
+              <a:buNone/>
+            </a:pPr>
+            <a:endParaRPr lang="en-CA" dirty="0"/>
           </a:p>
         </p:txBody>
       </p:sp>
     </p:spTree>
     <p:extLst>
       <p:ext uri="{BB962C8B-B14F-4D97-AF65-F5344CB8AC3E}">
-        <p14:creationId xmlns:p14="http://schemas.microsoft.com/office/powerpoint/2010/main" val="1573181305"/>
+        <p14:creationId xmlns:p14="http://schemas.microsoft.com/office/powerpoint/2010/main" val="1760816993"/>
       </p:ext>
     </p:extLst>
   </p:cSld>
@@ -10631,7 +11656,7 @@
         <p:spPr>
           <a:xfrm>
             <a:off x="7430545" y="410288"/>
-            <a:ext cx="3862895" cy="1477328"/>
+            <a:ext cx="3862895" cy="1754326"/>
           </a:xfrm>
           <a:prstGeom prst="rect">
             <a:avLst/>
@@ -10670,7 +11695,7 @@
             <a:pPr algn="ctr"/>
             <a:r>
               <a:rPr lang="en-CA" dirty="0"/>
-              <a:t>We’ll only be using </a:t>
+              <a:t>We’ll mainly use </a:t>
             </a:r>
             <a:r>
               <a:rPr lang="en-CA" b="1" dirty="0" err="1"/>
@@ -10678,7 +11703,15 @@
             </a:r>
             <a:r>
               <a:rPr lang="en-CA" dirty="0"/>
-              <a:t>, the Glasgow Haskell interpreter</a:t>
+              <a:t>, the Glasgow Haskell interpreter. You can compile Haskell programs with </a:t>
+            </a:r>
+            <a:r>
+              <a:rPr lang="en-CA" b="1" dirty="0" err="1"/>
+              <a:t>ghc</a:t>
+            </a:r>
+            <a:r>
+              <a:rPr lang="en-CA" dirty="0"/>
+              <a:t>.</a:t>
             </a:r>
             <a:endParaRPr lang="en-AU" dirty="0"/>
           </a:p>
@@ -10770,7 +11803,7 @@
         </p:nvSpPr>
         <p:spPr>
           <a:xfrm>
-            <a:off x="703159" y="5045142"/>
+            <a:off x="7454688" y="2996778"/>
             <a:ext cx="3602086" cy="1323439"/>
           </a:xfrm>
           <a:prstGeom prst="rect">
@@ -10819,8 +11852,8 @@
         </p:blipFill>
         <p:spPr bwMode="auto">
           <a:xfrm>
-            <a:off x="703159" y="1525694"/>
-            <a:ext cx="3602086" cy="3430508"/>
+            <a:off x="519830" y="1116945"/>
+            <a:ext cx="5899760" cy="5618736"/>
           </a:xfrm>
           <a:prstGeom prst="rect">
             <a:avLst/>
@@ -10837,6 +11870,78 @@
           </a:extLst>
         </p:spPr>
       </p:pic>
+    </p:spTree>
+    <p:extLst>
+      <p:ext uri="{BB962C8B-B14F-4D97-AF65-F5344CB8AC3E}">
+        <p14:creationId xmlns:p14="http://schemas.microsoft.com/office/powerpoint/2010/main" val="561900905"/>
+      </p:ext>
+    </p:extLst>
+  </p:cSld>
+  <p:clrMapOvr>
+    <a:masterClrMapping/>
+  </p:clrMapOvr>
+</p:sld>
+</file>
+
+<file path=ppt/slides/slide4.xml><?xml version="1.0" encoding="utf-8"?>
+<p:sld xmlns:a="http://schemas.openxmlformats.org/drawingml/2006/main" xmlns:r="http://schemas.openxmlformats.org/officeDocument/2006/relationships" xmlns:p="http://schemas.openxmlformats.org/presentationml/2006/main">
+  <p:cSld>
+    <p:spTree>
+      <p:nvGrpSpPr>
+        <p:cNvPr id="1" name=""/>
+        <p:cNvGrpSpPr/>
+        <p:nvPr/>
+      </p:nvGrpSpPr>
+      <p:grpSpPr>
+        <a:xfrm>
+          <a:off x="0" y="0"/>
+          <a:ext cx="0" cy="0"/>
+          <a:chOff x="0" y="0"/>
+          <a:chExt cx="0" cy="0"/>
+        </a:xfrm>
+      </p:grpSpPr>
+      <p:sp>
+        <p:nvSpPr>
+          <p:cNvPr id="2" name="Title 1">
+            <a:extLst>
+              <a:ext uri="{FF2B5EF4-FFF2-40B4-BE49-F238E27FC236}">
+                <a16:creationId xmlns:a16="http://schemas.microsoft.com/office/drawing/2014/main" id="{9D56FCE7-DB3A-40C9-92A2-796AAF385628}"/>
+              </a:ext>
+            </a:extLst>
+          </p:cNvPr>
+          <p:cNvSpPr>
+            <a:spLocks noGrp="1"/>
+          </p:cNvSpPr>
+          <p:nvPr>
+            <p:ph type="title"/>
+          </p:nvPr>
+        </p:nvSpPr>
+        <p:spPr>
+          <a:xfrm>
+            <a:off x="387403" y="78321"/>
+            <a:ext cx="5708597" cy="1325563"/>
+          </a:xfrm>
+        </p:spPr>
+        <p:txBody>
+          <a:bodyPr/>
+          <a:lstStyle/>
+          <a:p>
+            <a:r>
+              <a:rPr lang="en-CA" dirty="0">
+                <a:solidFill>
+                  <a:srgbClr val="00B0F0"/>
+                </a:solidFill>
+              </a:rPr>
+              <a:t>1990: First Appearances</a:t>
+            </a:r>
+            <a:endParaRPr lang="en-AU" dirty="0">
+              <a:solidFill>
+                <a:srgbClr val="00B0F0"/>
+              </a:solidFill>
+            </a:endParaRPr>
+          </a:p>
+        </p:txBody>
+      </p:sp>
       <p:pic>
         <p:nvPicPr>
           <p:cNvPr id="2052" name="Picture 4">
@@ -10852,7 +11957,7 @@
           <p:nvPr/>
         </p:nvPicPr>
         <p:blipFill>
-          <a:blip r:embed="rId3">
+          <a:blip r:embed="rId2">
             <a:extLst>
               <a:ext uri="{28A0092B-C50C-407E-A947-70E740481C1C}">
                 <a14:useLocalDpi xmlns:a14="http://schemas.microsoft.com/office/drawing/2010/main" val="0"/>
@@ -10866,8 +11971,8 @@
         </p:blipFill>
         <p:spPr bwMode="auto">
           <a:xfrm>
-            <a:off x="5130373" y="1434993"/>
-            <a:ext cx="6096000" cy="4572000"/>
+            <a:off x="464427" y="1142999"/>
+            <a:ext cx="7364340" cy="5523255"/>
           </a:xfrm>
           <a:prstGeom prst="rect">
             <a:avLst/>
@@ -10898,8 +12003,8 @@
         </p:nvSpPr>
         <p:spPr>
           <a:xfrm>
-            <a:off x="5130373" y="5931442"/>
-            <a:ext cx="6096000" cy="769441"/>
+            <a:off x="7972816" y="3044279"/>
+            <a:ext cx="3917437" cy="769441"/>
           </a:xfrm>
           <a:prstGeom prst="rect">
             <a:avLst/>
@@ -10933,7 +12038,7 @@
 </p:sld>
 </file>
 
-<file path=ppt/slides/slide4.xml><?xml version="1.0" encoding="utf-8"?>
+<file path=ppt/slides/slide5.xml><?xml version="1.0" encoding="utf-8"?>
 <p:sld xmlns:a="http://schemas.openxmlformats.org/drawingml/2006/main" xmlns:r="http://schemas.openxmlformats.org/officeDocument/2006/relationships" xmlns:p="http://schemas.openxmlformats.org/presentationml/2006/main">
   <p:cSld>
     <p:spTree>
@@ -11221,7 +12326,7 @@
 </p:sld>
 </file>
 
-<file path=ppt/slides/slide5.xml><?xml version="1.0" encoding="utf-8"?>
+<file path=ppt/slides/slide6.xml><?xml version="1.0" encoding="utf-8"?>
 <p:sld xmlns:a="http://schemas.openxmlformats.org/drawingml/2006/main" xmlns:r="http://schemas.openxmlformats.org/officeDocument/2006/relationships" xmlns:p="http://schemas.openxmlformats.org/presentationml/2006/main">
   <p:cSld>
     <p:spTree>
@@ -11514,7 +12619,7 @@
 </p:sld>
 </file>
 
-<file path=ppt/slides/slide6.xml><?xml version="1.0" encoding="utf-8"?>
+<file path=ppt/slides/slide7.xml><?xml version="1.0" encoding="utf-8"?>
 <p:sld xmlns:a="http://schemas.openxmlformats.org/drawingml/2006/main" xmlns:r="http://schemas.openxmlformats.org/officeDocument/2006/relationships" xmlns:p="http://schemas.openxmlformats.org/presentationml/2006/main">
   <p:cSld>
     <p:spTree>
@@ -11563,7 +12668,7 @@
                   <a:srgbClr val="00B0F0"/>
                 </a:solidFill>
               </a:rPr>
-              <a:t>1990: Highest-grossing Arcade Game</a:t>
+              <a:t>1990: Highest-grossing Home Game</a:t>
             </a:r>
             <a:endParaRPr lang="en-AU" dirty="0">
               <a:solidFill>
@@ -11791,7 +12896,7 @@
 </p:sld>
 </file>
 
-<file path=ppt/slides/slide7.xml><?xml version="1.0" encoding="utf-8"?>
+<file path=ppt/slides/slide8.xml><?xml version="1.0" encoding="utf-8"?>
 <p:sld xmlns:a="http://schemas.openxmlformats.org/drawingml/2006/main" xmlns:r="http://schemas.openxmlformats.org/officeDocument/2006/relationships" xmlns:p="http://schemas.openxmlformats.org/presentationml/2006/main">
   <p:cSld>
     <p:spTree>
@@ -11907,10 +13012,93 @@
   <p:clrMapOvr>
     <a:masterClrMapping/>
   </p:clrMapOvr>
+  <p:timing>
+    <p:tnLst>
+      <p:par>
+        <p:cTn id="1" dur="indefinite" restart="never" nodeType="tmRoot">
+          <p:childTnLst>
+            <p:seq concurrent="1" nextAc="seek">
+              <p:cTn id="2" dur="indefinite" nodeType="mainSeq">
+                <p:childTnLst>
+                  <p:par>
+                    <p:cTn id="3" fill="hold">
+                      <p:stCondLst>
+                        <p:cond delay="indefinite"/>
+                      </p:stCondLst>
+                      <p:childTnLst>
+                        <p:par>
+                          <p:cTn id="4" fill="hold">
+                            <p:stCondLst>
+                              <p:cond delay="0"/>
+                            </p:stCondLst>
+                            <p:childTnLst>
+                              <p:par>
+                                <p:cTn id="5" presetID="10" presetClass="entr" presetSubtype="0" fill="hold" nodeType="clickEffect">
+                                  <p:stCondLst>
+                                    <p:cond delay="0"/>
+                                  </p:stCondLst>
+                                  <p:childTnLst>
+                                    <p:set>
+                                      <p:cBhvr>
+                                        <p:cTn id="6" dur="1" fill="hold">
+                                          <p:stCondLst>
+                                            <p:cond delay="0"/>
+                                          </p:stCondLst>
+                                        </p:cTn>
+                                        <p:tgtEl>
+                                          <p:spTgt spid="5122"/>
+                                        </p:tgtEl>
+                                        <p:attrNameLst>
+                                          <p:attrName>style.visibility</p:attrName>
+                                        </p:attrNameLst>
+                                      </p:cBhvr>
+                                      <p:to>
+                                        <p:strVal val="visible"/>
+                                      </p:to>
+                                    </p:set>
+                                    <p:animEffect transition="in" filter="fade">
+                                      <p:cBhvr>
+                                        <p:cTn id="7" dur="500"/>
+                                        <p:tgtEl>
+                                          <p:spTgt spid="5122"/>
+                                        </p:tgtEl>
+                                      </p:cBhvr>
+                                    </p:animEffect>
+                                  </p:childTnLst>
+                                </p:cTn>
+                              </p:par>
+                            </p:childTnLst>
+                          </p:cTn>
+                        </p:par>
+                      </p:childTnLst>
+                    </p:cTn>
+                  </p:par>
+                </p:childTnLst>
+              </p:cTn>
+              <p:prevCondLst>
+                <p:cond evt="onPrev" delay="0">
+                  <p:tgtEl>
+                    <p:sldTgt/>
+                  </p:tgtEl>
+                </p:cond>
+              </p:prevCondLst>
+              <p:nextCondLst>
+                <p:cond evt="onNext" delay="0">
+                  <p:tgtEl>
+                    <p:sldTgt/>
+                  </p:tgtEl>
+                </p:cond>
+              </p:nextCondLst>
+            </p:seq>
+          </p:childTnLst>
+        </p:cTn>
+      </p:par>
+    </p:tnLst>
+  </p:timing>
 </p:sld>
 </file>
 
-<file path=ppt/slides/slide8.xml><?xml version="1.0" encoding="utf-8"?>
+<file path=ppt/slides/slide9.xml><?xml version="1.0" encoding="utf-8"?>
 <p:sld xmlns:a="http://schemas.openxmlformats.org/drawingml/2006/main" xmlns:r="http://schemas.openxmlformats.org/officeDocument/2006/relationships" xmlns:p="http://schemas.openxmlformats.org/presentationml/2006/main">
   <p:cSld>
     <p:spTree>
@@ -12245,717 +13433,6 @@
     </p:tnLst>
     <p:bldLst>
       <p:bldP spid="3" grpId="0"/>
-    </p:bldLst>
-  </p:timing>
-</p:sld>
-</file>
-
-<file path=ppt/slides/slide9.xml><?xml version="1.0" encoding="utf-8"?>
-<p:sld xmlns:a="http://schemas.openxmlformats.org/drawingml/2006/main" xmlns:r="http://schemas.openxmlformats.org/officeDocument/2006/relationships" xmlns:p="http://schemas.openxmlformats.org/presentationml/2006/main">
-  <p:cSld>
-    <p:spTree>
-      <p:nvGrpSpPr>
-        <p:cNvPr id="1" name=""/>
-        <p:cNvGrpSpPr/>
-        <p:nvPr/>
-      </p:nvGrpSpPr>
-      <p:grpSpPr>
-        <a:xfrm>
-          <a:off x="0" y="0"/>
-          <a:ext cx="0" cy="0"/>
-          <a:chOff x="0" y="0"/>
-          <a:chExt cx="0" cy="0"/>
-        </a:xfrm>
-      </p:grpSpPr>
-      <p:sp>
-        <p:nvSpPr>
-          <p:cNvPr id="8" name="TextBox 7">
-            <a:extLst>
-              <a:ext uri="{FF2B5EF4-FFF2-40B4-BE49-F238E27FC236}">
-                <a16:creationId xmlns:a16="http://schemas.microsoft.com/office/drawing/2014/main" id="{E2400FBB-A4E6-4E19-BEB2-E43F372AEDD9}"/>
-              </a:ext>
-            </a:extLst>
-          </p:cNvPr>
-          <p:cNvSpPr txBox="1"/>
-          <p:nvPr/>
-        </p:nvSpPr>
-        <p:spPr>
-          <a:xfrm>
-            <a:off x="-536530" y="176250"/>
-            <a:ext cx="4858658" cy="1323439"/>
-          </a:xfrm>
-          <a:prstGeom prst="rect">
-            <a:avLst/>
-          </a:prstGeom>
-          <a:noFill/>
-        </p:spPr>
-        <p:txBody>
-          <a:bodyPr wrap="square" rtlCol="0">
-            <a:spAutoFit/>
-          </a:bodyPr>
-          <a:lstStyle/>
-          <a:p>
-            <a:pPr algn="ctr"/>
-            <a:r>
-              <a:rPr lang="en-CA" sz="8000" dirty="0">
-                <a:solidFill>
-                  <a:srgbClr val="00B0F0"/>
-                </a:solidFill>
-              </a:rPr>
-              <a:t>1990</a:t>
-            </a:r>
-            <a:endParaRPr lang="en-AU" sz="8000" dirty="0">
-              <a:solidFill>
-                <a:srgbClr val="00B0F0"/>
-              </a:solidFill>
-            </a:endParaRPr>
-          </a:p>
-        </p:txBody>
-      </p:sp>
-      <p:sp>
-        <p:nvSpPr>
-          <p:cNvPr id="2" name="TextBox 1">
-            <a:extLst>
-              <a:ext uri="{FF2B5EF4-FFF2-40B4-BE49-F238E27FC236}">
-                <a16:creationId xmlns:a16="http://schemas.microsoft.com/office/drawing/2014/main" id="{C6F28FBB-0ACA-E8AD-E9D2-5A10750FC260}"/>
-              </a:ext>
-            </a:extLst>
-          </p:cNvPr>
-          <p:cNvSpPr txBox="1"/>
-          <p:nvPr/>
-        </p:nvSpPr>
-        <p:spPr>
-          <a:xfrm>
-            <a:off x="636088" y="5866181"/>
-            <a:ext cx="2506135" cy="800219"/>
-          </a:xfrm>
-          <a:prstGeom prst="rect">
-            <a:avLst/>
-          </a:prstGeom>
-          <a:noFill/>
-        </p:spPr>
-        <p:txBody>
-          <a:bodyPr wrap="none" rtlCol="0">
-            <a:spAutoFit/>
-          </a:bodyPr>
-          <a:lstStyle/>
-          <a:p>
-            <a:pPr algn="ctr"/>
-            <a:r>
-              <a:rPr lang="en-CA" sz="2800" b="1" dirty="0"/>
-              <a:t>Brian Mulroney</a:t>
-            </a:r>
-          </a:p>
-          <a:p>
-            <a:endParaRPr lang="en-AU" dirty="0"/>
-          </a:p>
-        </p:txBody>
-      </p:sp>
-      <p:sp>
-        <p:nvSpPr>
-          <p:cNvPr id="9" name="TextBox 8">
-            <a:extLst>
-              <a:ext uri="{FF2B5EF4-FFF2-40B4-BE49-F238E27FC236}">
-                <a16:creationId xmlns:a16="http://schemas.microsoft.com/office/drawing/2014/main" id="{14BC7E00-46A1-9983-75B7-574401B94175}"/>
-              </a:ext>
-            </a:extLst>
-          </p:cNvPr>
-          <p:cNvSpPr txBox="1"/>
-          <p:nvPr/>
-        </p:nvSpPr>
-        <p:spPr>
-          <a:xfrm>
-            <a:off x="4189993" y="5866182"/>
-            <a:ext cx="2946192" cy="800219"/>
-          </a:xfrm>
-          <a:prstGeom prst="rect">
-            <a:avLst/>
-          </a:prstGeom>
-          <a:noFill/>
-        </p:spPr>
-        <p:txBody>
-          <a:bodyPr wrap="none" rtlCol="0">
-            <a:spAutoFit/>
-          </a:bodyPr>
-          <a:lstStyle/>
-          <a:p>
-            <a:pPr algn="ctr"/>
-            <a:r>
-              <a:rPr lang="en-CA" sz="2800" b="1" dirty="0"/>
-              <a:t>George H. W. Bush</a:t>
-            </a:r>
-            <a:endParaRPr lang="en-AU" sz="2800" b="1" dirty="0"/>
-          </a:p>
-          <a:p>
-            <a:endParaRPr lang="en-AU" dirty="0"/>
-          </a:p>
-        </p:txBody>
-      </p:sp>
-      <p:sp>
-        <p:nvSpPr>
-          <p:cNvPr id="10" name="TextBox 9">
-            <a:extLst>
-              <a:ext uri="{FF2B5EF4-FFF2-40B4-BE49-F238E27FC236}">
-                <a16:creationId xmlns:a16="http://schemas.microsoft.com/office/drawing/2014/main" id="{4CC38CBC-D973-5348-0555-5578FBDE72D2}"/>
-              </a:ext>
-            </a:extLst>
-          </p:cNvPr>
-          <p:cNvSpPr txBox="1"/>
-          <p:nvPr/>
-        </p:nvSpPr>
-        <p:spPr>
-          <a:xfrm>
-            <a:off x="8125667" y="1575736"/>
-            <a:ext cx="3277107" cy="523220"/>
-          </a:xfrm>
-          <a:prstGeom prst="rect">
-            <a:avLst/>
-          </a:prstGeom>
-          <a:noFill/>
-        </p:spPr>
-        <p:txBody>
-          <a:bodyPr wrap="square">
-            <a:spAutoFit/>
-          </a:bodyPr>
-          <a:lstStyle/>
-          <a:p>
-            <a:pPr algn="ctr"/>
-            <a:r>
-              <a:rPr lang="en-AU" sz="2800" dirty="0"/>
-              <a:t>This TV show started </a:t>
-            </a:r>
-          </a:p>
-        </p:txBody>
-      </p:sp>
-      <p:sp>
-        <p:nvSpPr>
-          <p:cNvPr id="13" name="TextBox 12">
-            <a:extLst>
-              <a:ext uri="{FF2B5EF4-FFF2-40B4-BE49-F238E27FC236}">
-                <a16:creationId xmlns:a16="http://schemas.microsoft.com/office/drawing/2014/main" id="{4B980735-E3C3-244F-1907-082B5F770DF8}"/>
-              </a:ext>
-            </a:extLst>
-          </p:cNvPr>
-          <p:cNvSpPr txBox="1"/>
-          <p:nvPr/>
-        </p:nvSpPr>
-        <p:spPr>
-          <a:xfrm>
-            <a:off x="831815" y="1571621"/>
-            <a:ext cx="2114681" cy="800219"/>
-          </a:xfrm>
-          <a:prstGeom prst="rect">
-            <a:avLst/>
-          </a:prstGeom>
-          <a:noFill/>
-        </p:spPr>
-        <p:txBody>
-          <a:bodyPr wrap="none" rtlCol="0">
-            <a:spAutoFit/>
-          </a:bodyPr>
-          <a:lstStyle/>
-          <a:p>
-            <a:pPr algn="ctr"/>
-            <a:r>
-              <a:rPr lang="en-CA" sz="2800" dirty="0"/>
-              <a:t>Canadian PM</a:t>
-            </a:r>
-            <a:br>
-              <a:rPr lang="en-CA" sz="2800" dirty="0"/>
-            </a:br>
-            <a:endParaRPr lang="en-AU" dirty="0"/>
-          </a:p>
-        </p:txBody>
-      </p:sp>
-      <p:sp>
-        <p:nvSpPr>
-          <p:cNvPr id="14" name="TextBox 13">
-            <a:extLst>
-              <a:ext uri="{FF2B5EF4-FFF2-40B4-BE49-F238E27FC236}">
-                <a16:creationId xmlns:a16="http://schemas.microsoft.com/office/drawing/2014/main" id="{2A3243DC-2098-2F2D-D377-21A451C5B005}"/>
-              </a:ext>
-            </a:extLst>
-          </p:cNvPr>
-          <p:cNvSpPr txBox="1"/>
-          <p:nvPr/>
-        </p:nvSpPr>
-        <p:spPr>
-          <a:xfrm>
-            <a:off x="4479528" y="1571708"/>
-            <a:ext cx="2367123" cy="800219"/>
-          </a:xfrm>
-          <a:prstGeom prst="rect">
-            <a:avLst/>
-          </a:prstGeom>
-          <a:noFill/>
-        </p:spPr>
-        <p:txBody>
-          <a:bodyPr wrap="none" rtlCol="0">
-            <a:spAutoFit/>
-          </a:bodyPr>
-          <a:lstStyle/>
-          <a:p>
-            <a:pPr algn="ctr"/>
-            <a:r>
-              <a:rPr lang="en-CA" sz="2800" dirty="0"/>
-              <a:t>US President </a:t>
-            </a:r>
-            <a:endParaRPr lang="en-AU" sz="2800" b="1" dirty="0"/>
-          </a:p>
-          <a:p>
-            <a:endParaRPr lang="en-AU" dirty="0"/>
-          </a:p>
-        </p:txBody>
-      </p:sp>
-      <p:pic>
-        <p:nvPicPr>
-          <p:cNvPr id="6146" name="Picture 2">
-            <a:extLst>
-              <a:ext uri="{FF2B5EF4-FFF2-40B4-BE49-F238E27FC236}">
-                <a16:creationId xmlns:a16="http://schemas.microsoft.com/office/drawing/2014/main" id="{07EB9EC3-FE0E-1ED4-5A41-03589D093837}"/>
-              </a:ext>
-            </a:extLst>
-          </p:cNvPr>
-          <p:cNvPicPr>
-            <a:picLocks noChangeAspect="1" noChangeArrowheads="1"/>
-          </p:cNvPicPr>
-          <p:nvPr/>
-        </p:nvPicPr>
-        <p:blipFill>
-          <a:blip r:embed="rId2">
-            <a:extLst>
-              <a:ext uri="{28A0092B-C50C-407E-A947-70E740481C1C}">
-                <a14:useLocalDpi xmlns:a14="http://schemas.microsoft.com/office/drawing/2010/main" val="0"/>
-              </a:ext>
-            </a:extLst>
-          </a:blip>
-          <a:srcRect/>
-          <a:stretch>
-            <a:fillRect/>
-          </a:stretch>
-        </p:blipFill>
-        <p:spPr bwMode="auto">
-          <a:xfrm>
-            <a:off x="559596" y="2098956"/>
-            <a:ext cx="2659118" cy="3721551"/>
-          </a:xfrm>
-          <a:prstGeom prst="rect">
-            <a:avLst/>
-          </a:prstGeom>
-          <a:noFill/>
-          <a:extLst>
-            <a:ext uri="{909E8E84-426E-40DD-AFC4-6F175D3DCCD1}">
-              <a14:hiddenFill xmlns:a14="http://schemas.microsoft.com/office/drawing/2010/main">
-                <a:solidFill>
-                  <a:srgbClr val="FFFFFF"/>
-                </a:solidFill>
-              </a14:hiddenFill>
-            </a:ext>
-          </a:extLst>
-        </p:spPr>
-      </p:pic>
-      <p:pic>
-        <p:nvPicPr>
-          <p:cNvPr id="6148" name="Picture 4">
-            <a:extLst>
-              <a:ext uri="{FF2B5EF4-FFF2-40B4-BE49-F238E27FC236}">
-                <a16:creationId xmlns:a16="http://schemas.microsoft.com/office/drawing/2014/main" id="{09F15E64-58F0-6B35-19C4-4D6E112904BE}"/>
-              </a:ext>
-            </a:extLst>
-          </p:cNvPr>
-          <p:cNvPicPr>
-            <a:picLocks noChangeAspect="1" noChangeArrowheads="1"/>
-          </p:cNvPicPr>
-          <p:nvPr/>
-        </p:nvPicPr>
-        <p:blipFill rotWithShape="1">
-          <a:blip r:embed="rId3">
-            <a:extLst>
-              <a:ext uri="{28A0092B-C50C-407E-A947-70E740481C1C}">
-                <a14:useLocalDpi xmlns:a14="http://schemas.microsoft.com/office/drawing/2010/main" val="0"/>
-              </a:ext>
-            </a:extLst>
-          </a:blip>
-          <a:srcRect l="12105" r="13350" b="9318"/>
-          <a:stretch/>
-        </p:blipFill>
-        <p:spPr bwMode="auto">
-          <a:xfrm>
-            <a:off x="4133422" y="2056336"/>
-            <a:ext cx="3059335" cy="3721551"/>
-          </a:xfrm>
-          <a:prstGeom prst="rect">
-            <a:avLst/>
-          </a:prstGeom>
-          <a:noFill/>
-          <a:extLst>
-            <a:ext uri="{909E8E84-426E-40DD-AFC4-6F175D3DCCD1}">
-              <a14:hiddenFill xmlns:a14="http://schemas.microsoft.com/office/drawing/2010/main">
-                <a:solidFill>
-                  <a:srgbClr val="FFFFFF"/>
-                </a:solidFill>
-              </a14:hiddenFill>
-            </a:ext>
-          </a:extLst>
-        </p:spPr>
-      </p:pic>
-      <p:pic>
-        <p:nvPicPr>
-          <p:cNvPr id="6150" name="Picture 6" descr="Mr. Bean (TV Series 1990–1995) - IMDb">
-            <a:extLst>
-              <a:ext uri="{FF2B5EF4-FFF2-40B4-BE49-F238E27FC236}">
-                <a16:creationId xmlns:a16="http://schemas.microsoft.com/office/drawing/2014/main" id="{42A67001-52D0-86C2-CECB-EF592CE15310}"/>
-              </a:ext>
-            </a:extLst>
-          </p:cNvPr>
-          <p:cNvPicPr>
-            <a:picLocks noChangeAspect="1" noChangeArrowheads="1"/>
-          </p:cNvPicPr>
-          <p:nvPr/>
-        </p:nvPicPr>
-        <p:blipFill>
-          <a:blip r:embed="rId4">
-            <a:extLst>
-              <a:ext uri="{28A0092B-C50C-407E-A947-70E740481C1C}">
-                <a14:useLocalDpi xmlns:a14="http://schemas.microsoft.com/office/drawing/2010/main" val="0"/>
-              </a:ext>
-            </a:extLst>
-          </a:blip>
-          <a:srcRect/>
-          <a:stretch>
-            <a:fillRect/>
-          </a:stretch>
-        </p:blipFill>
-        <p:spPr bwMode="auto">
-          <a:xfrm>
-            <a:off x="8291124" y="1971730"/>
-            <a:ext cx="2946192" cy="4333522"/>
-          </a:xfrm>
-          <a:prstGeom prst="rect">
-            <a:avLst/>
-          </a:prstGeom>
-          <a:noFill/>
-          <a:extLst>
-            <a:ext uri="{909E8E84-426E-40DD-AFC4-6F175D3DCCD1}">
-              <a14:hiddenFill xmlns:a14="http://schemas.microsoft.com/office/drawing/2010/main">
-                <a:solidFill>
-                  <a:srgbClr val="FFFFFF"/>
-                </a:solidFill>
-              </a14:hiddenFill>
-            </a:ext>
-          </a:extLst>
-        </p:spPr>
-      </p:pic>
-    </p:spTree>
-    <p:extLst>
-      <p:ext uri="{BB962C8B-B14F-4D97-AF65-F5344CB8AC3E}">
-        <p14:creationId xmlns:p14="http://schemas.microsoft.com/office/powerpoint/2010/main" val="1031835898"/>
-      </p:ext>
-    </p:extLst>
-  </p:cSld>
-  <p:clrMapOvr>
-    <a:masterClrMapping/>
-  </p:clrMapOvr>
-  <p:timing>
-    <p:tnLst>
-      <p:par>
-        <p:cTn id="1" dur="indefinite" restart="never" nodeType="tmRoot">
-          <p:childTnLst>
-            <p:seq concurrent="1" nextAc="seek">
-              <p:cTn id="2" dur="indefinite" nodeType="mainSeq">
-                <p:childTnLst>
-                  <p:par>
-                    <p:cTn id="3" fill="hold">
-                      <p:stCondLst>
-                        <p:cond delay="indefinite"/>
-                      </p:stCondLst>
-                      <p:childTnLst>
-                        <p:par>
-                          <p:cTn id="4" fill="hold">
-                            <p:stCondLst>
-                              <p:cond delay="0"/>
-                            </p:stCondLst>
-                            <p:childTnLst>
-                              <p:par>
-                                <p:cTn id="5" presetID="10" presetClass="entr" presetSubtype="0" fill="hold" grpId="0" nodeType="clickEffect">
-                                  <p:stCondLst>
-                                    <p:cond delay="0"/>
-                                  </p:stCondLst>
-                                  <p:childTnLst>
-                                    <p:set>
-                                      <p:cBhvr>
-                                        <p:cTn id="6" dur="1" fill="hold">
-                                          <p:stCondLst>
-                                            <p:cond delay="0"/>
-                                          </p:stCondLst>
-                                        </p:cTn>
-                                        <p:tgtEl>
-                                          <p:spTgt spid="13"/>
-                                        </p:tgtEl>
-                                        <p:attrNameLst>
-                                          <p:attrName>style.visibility</p:attrName>
-                                        </p:attrNameLst>
-                                      </p:cBhvr>
-                                      <p:to>
-                                        <p:strVal val="visible"/>
-                                      </p:to>
-                                    </p:set>
-                                    <p:animEffect transition="in" filter="fade">
-                                      <p:cBhvr>
-                                        <p:cTn id="7" dur="500"/>
-                                        <p:tgtEl>
-                                          <p:spTgt spid="13"/>
-                                        </p:tgtEl>
-                                      </p:cBhvr>
-                                    </p:animEffect>
-                                  </p:childTnLst>
-                                </p:cTn>
-                              </p:par>
-                            </p:childTnLst>
-                          </p:cTn>
-                        </p:par>
-                      </p:childTnLst>
-                    </p:cTn>
-                  </p:par>
-                  <p:par>
-                    <p:cTn id="8" fill="hold">
-                      <p:stCondLst>
-                        <p:cond delay="indefinite"/>
-                      </p:stCondLst>
-                      <p:childTnLst>
-                        <p:par>
-                          <p:cTn id="9" fill="hold">
-                            <p:stCondLst>
-                              <p:cond delay="0"/>
-                            </p:stCondLst>
-                            <p:childTnLst>
-                              <p:par>
-                                <p:cTn id="10" presetID="10" presetClass="entr" presetSubtype="0" fill="hold" grpId="0" nodeType="clickEffect">
-                                  <p:stCondLst>
-                                    <p:cond delay="0"/>
-                                  </p:stCondLst>
-                                  <p:childTnLst>
-                                    <p:set>
-                                      <p:cBhvr>
-                                        <p:cTn id="11" dur="1" fill="hold">
-                                          <p:stCondLst>
-                                            <p:cond delay="0"/>
-                                          </p:stCondLst>
-                                        </p:cTn>
-                                        <p:tgtEl>
-                                          <p:spTgt spid="2"/>
-                                        </p:tgtEl>
-                                        <p:attrNameLst>
-                                          <p:attrName>style.visibility</p:attrName>
-                                        </p:attrNameLst>
-                                      </p:cBhvr>
-                                      <p:to>
-                                        <p:strVal val="visible"/>
-                                      </p:to>
-                                    </p:set>
-                                    <p:animEffect transition="in" filter="fade">
-                                      <p:cBhvr>
-                                        <p:cTn id="12" dur="500"/>
-                                        <p:tgtEl>
-                                          <p:spTgt spid="2"/>
-                                        </p:tgtEl>
-                                      </p:cBhvr>
-                                    </p:animEffect>
-                                  </p:childTnLst>
-                                </p:cTn>
-                              </p:par>
-                            </p:childTnLst>
-                          </p:cTn>
-                        </p:par>
-                      </p:childTnLst>
-                    </p:cTn>
-                  </p:par>
-                  <p:par>
-                    <p:cTn id="13" fill="hold">
-                      <p:stCondLst>
-                        <p:cond delay="indefinite"/>
-                      </p:stCondLst>
-                      <p:childTnLst>
-                        <p:par>
-                          <p:cTn id="14" fill="hold">
-                            <p:stCondLst>
-                              <p:cond delay="0"/>
-                            </p:stCondLst>
-                            <p:childTnLst>
-                              <p:par>
-                                <p:cTn id="15" presetID="10" presetClass="entr" presetSubtype="0" fill="hold" grpId="0" nodeType="clickEffect">
-                                  <p:stCondLst>
-                                    <p:cond delay="0"/>
-                                  </p:stCondLst>
-                                  <p:childTnLst>
-                                    <p:set>
-                                      <p:cBhvr>
-                                        <p:cTn id="16" dur="1" fill="hold">
-                                          <p:stCondLst>
-                                            <p:cond delay="0"/>
-                                          </p:stCondLst>
-                                        </p:cTn>
-                                        <p:tgtEl>
-                                          <p:spTgt spid="14"/>
-                                        </p:tgtEl>
-                                        <p:attrNameLst>
-                                          <p:attrName>style.visibility</p:attrName>
-                                        </p:attrNameLst>
-                                      </p:cBhvr>
-                                      <p:to>
-                                        <p:strVal val="visible"/>
-                                      </p:to>
-                                    </p:set>
-                                    <p:animEffect transition="in" filter="fade">
-                                      <p:cBhvr>
-                                        <p:cTn id="17" dur="500"/>
-                                        <p:tgtEl>
-                                          <p:spTgt spid="14"/>
-                                        </p:tgtEl>
-                                      </p:cBhvr>
-                                    </p:animEffect>
-                                  </p:childTnLst>
-                                </p:cTn>
-                              </p:par>
-                            </p:childTnLst>
-                          </p:cTn>
-                        </p:par>
-                      </p:childTnLst>
-                    </p:cTn>
-                  </p:par>
-                  <p:par>
-                    <p:cTn id="18" fill="hold">
-                      <p:stCondLst>
-                        <p:cond delay="indefinite"/>
-                      </p:stCondLst>
-                      <p:childTnLst>
-                        <p:par>
-                          <p:cTn id="19" fill="hold">
-                            <p:stCondLst>
-                              <p:cond delay="0"/>
-                            </p:stCondLst>
-                            <p:childTnLst>
-                              <p:par>
-                                <p:cTn id="20" presetID="10" presetClass="entr" presetSubtype="0" fill="hold" grpId="0" nodeType="clickEffect">
-                                  <p:stCondLst>
-                                    <p:cond delay="0"/>
-                                  </p:stCondLst>
-                                  <p:childTnLst>
-                                    <p:set>
-                                      <p:cBhvr>
-                                        <p:cTn id="21" dur="1" fill="hold">
-                                          <p:stCondLst>
-                                            <p:cond delay="0"/>
-                                          </p:stCondLst>
-                                        </p:cTn>
-                                        <p:tgtEl>
-                                          <p:spTgt spid="9"/>
-                                        </p:tgtEl>
-                                        <p:attrNameLst>
-                                          <p:attrName>style.visibility</p:attrName>
-                                        </p:attrNameLst>
-                                      </p:cBhvr>
-                                      <p:to>
-                                        <p:strVal val="visible"/>
-                                      </p:to>
-                                    </p:set>
-                                    <p:animEffect transition="in" filter="fade">
-                                      <p:cBhvr>
-                                        <p:cTn id="22" dur="500"/>
-                                        <p:tgtEl>
-                                          <p:spTgt spid="9"/>
-                                        </p:tgtEl>
-                                      </p:cBhvr>
-                                    </p:animEffect>
-                                  </p:childTnLst>
-                                </p:cTn>
-                              </p:par>
-                            </p:childTnLst>
-                          </p:cTn>
-                        </p:par>
-                      </p:childTnLst>
-                    </p:cTn>
-                  </p:par>
-                  <p:par>
-                    <p:cTn id="23" fill="hold">
-                      <p:stCondLst>
-                        <p:cond delay="indefinite"/>
-                      </p:stCondLst>
-                      <p:childTnLst>
-                        <p:par>
-                          <p:cTn id="24" fill="hold">
-                            <p:stCondLst>
-                              <p:cond delay="0"/>
-                            </p:stCondLst>
-                            <p:childTnLst>
-                              <p:par>
-                                <p:cTn id="25" presetID="10" presetClass="entr" presetSubtype="0" fill="hold" grpId="0" nodeType="clickEffect">
-                                  <p:stCondLst>
-                                    <p:cond delay="0"/>
-                                  </p:stCondLst>
-                                  <p:childTnLst>
-                                    <p:set>
-                                      <p:cBhvr>
-                                        <p:cTn id="26" dur="1" fill="hold">
-                                          <p:stCondLst>
-                                            <p:cond delay="0"/>
-                                          </p:stCondLst>
-                                        </p:cTn>
-                                        <p:tgtEl>
-                                          <p:spTgt spid="10"/>
-                                        </p:tgtEl>
-                                        <p:attrNameLst>
-                                          <p:attrName>style.visibility</p:attrName>
-                                        </p:attrNameLst>
-                                      </p:cBhvr>
-                                      <p:to>
-                                        <p:strVal val="visible"/>
-                                      </p:to>
-                                    </p:set>
-                                    <p:animEffect transition="in" filter="fade">
-                                      <p:cBhvr>
-                                        <p:cTn id="27" dur="500"/>
-                                        <p:tgtEl>
-                                          <p:spTgt spid="10"/>
-                                        </p:tgtEl>
-                                      </p:cBhvr>
-                                    </p:animEffect>
-                                  </p:childTnLst>
-                                </p:cTn>
-                              </p:par>
-                            </p:childTnLst>
-                          </p:cTn>
-                        </p:par>
-                      </p:childTnLst>
-                    </p:cTn>
-                  </p:par>
-                </p:childTnLst>
-              </p:cTn>
-              <p:prevCondLst>
-                <p:cond evt="onPrev" delay="0">
-                  <p:tgtEl>
-                    <p:sldTgt/>
-                  </p:tgtEl>
-                </p:cond>
-              </p:prevCondLst>
-              <p:nextCondLst>
-                <p:cond evt="onNext" delay="0">
-                  <p:tgtEl>
-                    <p:sldTgt/>
-                  </p:tgtEl>
-                </p:cond>
-              </p:nextCondLst>
-            </p:seq>
-          </p:childTnLst>
-        </p:cTn>
-      </p:par>
-    </p:tnLst>
-    <p:bldLst>
-      <p:bldP spid="2" grpId="0"/>
-      <p:bldP spid="9" grpId="0"/>
-      <p:bldP spid="10" grpId="0"/>
-      <p:bldP spid="13" grpId="0"/>
-      <p:bldP spid="14" grpId="0"/>
     </p:bldLst>
   </p:timing>
 </p:sld>
